--- a/oncology_profile/Slides/Rising_stars_oncology_profiles_update_v1.pptx
+++ b/oncology_profile/Slides/Rising_stars_oncology_profiles_update_v1.pptx
@@ -5,10 +5,10 @@
     <p:sldMasterId id="2147483660" r:id="rId1"/>
   </p:sldMasterIdLst>
   <p:notesMasterIdLst>
-    <p:notesMasterId r:id="rId10"/>
+    <p:notesMasterId r:id="rId11"/>
   </p:notesMasterIdLst>
   <p:handoutMasterIdLst>
-    <p:handoutMasterId r:id="rId11"/>
+    <p:handoutMasterId r:id="rId12"/>
   </p:handoutMasterIdLst>
   <p:sldIdLst>
     <p:sldId id="256" r:id="rId2"/>
@@ -19,6 +19,7 @@
     <p:sldId id="261" r:id="rId7"/>
     <p:sldId id="262" r:id="rId8"/>
     <p:sldId id="263" r:id="rId9"/>
+    <p:sldId id="264" r:id="rId10"/>
   </p:sldIdLst>
   <p:sldSz cx="12192000" cy="6858000"/>
   <p:notesSz cx="7023100" cy="9309100"/>
@@ -371,7 +372,7 @@
                   <c:v>18.55555555555556</c:v>
                 </c:pt>
                 <c:pt idx="5">
-                  <c:v>24.72222222222222</c:v>
+                  <c:v>24.72222222222221</c:v>
                 </c:pt>
                 <c:pt idx="6">
                   <c:v>31.07777777777778</c:v>
@@ -380,19 +381,19 @@
                   <c:v>38.42222222222222</c:v>
                 </c:pt>
                 <c:pt idx="8">
-                  <c:v>46.96666666666667</c:v>
+                  <c:v>46.96666666666665</c:v>
                 </c:pt>
                 <c:pt idx="9">
                   <c:v>56.71111111111111</c:v>
                 </c:pt>
                 <c:pt idx="10">
-                  <c:v>68.12222222222222</c:v>
+                  <c:v>68.12222222222221</c:v>
                 </c:pt>
                 <c:pt idx="11">
                   <c:v>80.5111111111111</c:v>
                 </c:pt>
                 <c:pt idx="12">
-                  <c:v>94.53333333333333</c:v>
+                  <c:v>94.53333333333332</c:v>
                 </c:pt>
                 <c:pt idx="13">
                   <c:v>108.7777777777778</c:v>
@@ -519,7 +520,7 @@
                   <c:v>6.966666666666666</c:v>
                 </c:pt>
                 <c:pt idx="5">
-                  <c:v>8.666666666666665</c:v>
+                  <c:v>8.666666666666667</c:v>
                 </c:pt>
                 <c:pt idx="6">
                   <c:v>10.16666666666667</c:v>
@@ -531,13 +532,13 @@
                   <c:v>13.56666666666667</c:v>
                 </c:pt>
                 <c:pt idx="9">
-                  <c:v>16.73333333333333</c:v>
+                  <c:v>16.73333333333332</c:v>
                 </c:pt>
                 <c:pt idx="10">
                   <c:v>19.3</c:v>
                 </c:pt>
                 <c:pt idx="11">
-                  <c:v>22.23333333333333</c:v>
+                  <c:v>22.23333333333332</c:v>
                 </c:pt>
                 <c:pt idx="12">
                   <c:v>26.5</c:v>
@@ -563,11 +564,11 @@
         </c:dLbls>
         <c:marker val="1"/>
         <c:smooth val="0"/>
-        <c:axId val="579248080"/>
-        <c:axId val="579250128"/>
+        <c:axId val="2104998768"/>
+        <c:axId val="2102748432"/>
       </c:lineChart>
       <c:catAx>
-        <c:axId val="579248080"/>
+        <c:axId val="2104998768"/>
         <c:scaling>
           <c:orientation val="minMax"/>
         </c:scaling>
@@ -683,7 +684,7 @@
             <a:endParaRPr lang="en-US"/>
           </a:p>
         </c:txPr>
-        <c:crossAx val="579250128"/>
+        <c:crossAx val="2102748432"/>
         <c:crosses val="autoZero"/>
         <c:auto val="1"/>
         <c:lblAlgn val="ctr"/>
@@ -691,7 +692,7 @@
         <c:noMultiLvlLbl val="0"/>
       </c:catAx>
       <c:valAx>
-        <c:axId val="579250128"/>
+        <c:axId val="2102748432"/>
         <c:scaling>
           <c:orientation val="minMax"/>
         </c:scaling>
@@ -741,7 +742,7 @@
             <a:endParaRPr lang="en-US"/>
           </a:p>
         </c:txPr>
-        <c:crossAx val="579248080"/>
+        <c:crossAx val="2104998768"/>
         <c:crosses val="autoZero"/>
         <c:crossBetween val="between"/>
       </c:valAx>
@@ -1062,7 +1063,7 @@
                   <c:v>80.51111111</c:v>
                 </c:pt>
                 <c:pt idx="12">
-                  <c:v>94.53333333</c:v>
+                  <c:v>94.53333332999999</c:v>
                 </c:pt>
                 <c:pt idx="13">
                   <c:v>108.7777778</c:v>
@@ -1529,11 +1530,11 @@
         </c:dLbls>
         <c:marker val="1"/>
         <c:smooth val="0"/>
-        <c:axId val="625857264"/>
-        <c:axId val="579011744"/>
+        <c:axId val="2102776112"/>
+        <c:axId val="2102780384"/>
       </c:lineChart>
       <c:catAx>
-        <c:axId val="625857264"/>
+        <c:axId val="2102776112"/>
         <c:scaling>
           <c:orientation val="minMax"/>
         </c:scaling>
@@ -1671,7 +1672,7 @@
             <a:endParaRPr lang="en-US"/>
           </a:p>
         </c:txPr>
-        <c:crossAx val="579011744"/>
+        <c:crossAx val="2102780384"/>
         <c:crosses val="autoZero"/>
         <c:auto val="1"/>
         <c:lblAlgn val="ctr"/>
@@ -1679,7 +1680,7 @@
         <c:noMultiLvlLbl val="0"/>
       </c:catAx>
       <c:valAx>
-        <c:axId val="579011744"/>
+        <c:axId val="2102780384"/>
         <c:scaling>
           <c:orientation val="minMax"/>
         </c:scaling>
@@ -1729,7 +1730,7 @@
             <a:endParaRPr lang="en-US"/>
           </a:p>
         </c:txPr>
-        <c:crossAx val="625857264"/>
+        <c:crossAx val="2102776112"/>
         <c:crosses val="autoZero"/>
         <c:crossBetween val="between"/>
       </c:valAx>
@@ -2201,11 +2202,11 @@
         </c:dLbls>
         <c:marker val="1"/>
         <c:smooth val="0"/>
-        <c:axId val="623049968"/>
-        <c:axId val="623051840"/>
+        <c:axId val="2102819200"/>
+        <c:axId val="2102823472"/>
       </c:lineChart>
       <c:catAx>
-        <c:axId val="623049968"/>
+        <c:axId val="2102819200"/>
         <c:scaling>
           <c:orientation val="minMax"/>
         </c:scaling>
@@ -2343,7 +2344,7 @@
             <a:endParaRPr lang="en-US"/>
           </a:p>
         </c:txPr>
-        <c:crossAx val="623051840"/>
+        <c:crossAx val="2102823472"/>
         <c:crosses val="autoZero"/>
         <c:auto val="1"/>
         <c:lblAlgn val="ctr"/>
@@ -2351,7 +2352,7 @@
         <c:noMultiLvlLbl val="0"/>
       </c:catAx>
       <c:valAx>
-        <c:axId val="623051840"/>
+        <c:axId val="2102823472"/>
         <c:scaling>
           <c:orientation val="minMax"/>
         </c:scaling>
@@ -2401,7 +2402,7 @@
             <a:endParaRPr lang="en-US"/>
           </a:p>
         </c:txPr>
-        <c:crossAx val="623049968"/>
+        <c:crossAx val="2102819200"/>
         <c:crosses val="autoZero"/>
         <c:crossBetween val="between"/>
       </c:valAx>
@@ -4090,7 +4091,7 @@
               <a:pPr>
                 <a:defRPr/>
               </a:pPr>
-              <a:t>12/11/17</a:t>
+              <a:t>12/12/17</a:t>
             </a:fld>
             <a:endParaRPr lang="en-US"/>
           </a:p>
@@ -4282,7 +4283,7 @@
               <a:pPr>
                 <a:defRPr/>
               </a:pPr>
-              <a:t>12/11/17</a:t>
+              <a:t>12/12/17</a:t>
             </a:fld>
             <a:endParaRPr lang="en-US" altLang="en-US"/>
           </a:p>
@@ -6606,7 +6607,7 @@
               <a:rPr lang="en-US" altLang="zh-CN" sz="2000" dirty="0" smtClean="0">
                 <a:ea typeface="MS PGothic" charset="-128"/>
               </a:rPr>
-              <a:t>14</a:t>
+              <a:t>13</a:t>
             </a:r>
             <a:r>
               <a:rPr lang="en-US" altLang="en-US" sz="2000" dirty="0" smtClean="0">
@@ -7018,7 +7019,11 @@
           <a:p>
             <a:r>
               <a:rPr lang="en-US" dirty="0" smtClean="0"/>
-              <a:t>Identify Rising Stars from the group of 608 non-KOL oncologists</a:t>
+              <a:t>Objective: identify </a:t>
+            </a:r>
+            <a:r>
+              <a:rPr lang="en-US" dirty="0" smtClean="0"/>
+              <a:t>Rising Stars from the group of 608 non-KOL oncologists</a:t>
             </a:r>
           </a:p>
           <a:p>
@@ -7128,15 +7133,24 @@
             </a:r>
             <a:r>
               <a:rPr lang="en-US" dirty="0" smtClean="0"/>
-              <a:t> since the year of first publication</a:t>
+              <a:t> </a:t>
+            </a:r>
+            <a:r>
+              <a:rPr lang="en-US" dirty="0" smtClean="0"/>
+              <a:t>year since </a:t>
+            </a:r>
+            <a:r>
+              <a:rPr lang="en-US" dirty="0" smtClean="0"/>
+              <a:t>the year of first publication</a:t>
             </a:r>
           </a:p>
           <a:p>
             <a:pPr lvl="1"/>
             <a:r>
               <a:rPr lang="en-US" dirty="0" smtClean="0"/>
-              <a:t>Education: help estimate age</a:t>
-            </a:r>
+              <a:t>Education profile: </a:t>
+            </a:r>
+            <a:endParaRPr lang="en-US" dirty="0" smtClean="0"/>
           </a:p>
           <a:p>
             <a:endParaRPr lang="en-US" dirty="0"/>
@@ -7150,41 +7164,109 @@
           <a:p>
             <a:pPr lvl="1"/>
             <a:r>
+              <a:rPr lang="en-US" altLang="zh-CN" dirty="0" smtClean="0"/>
+              <a:t>Total</a:t>
+            </a:r>
+            <a:r>
+              <a:rPr lang="zh-CN" altLang="en-US" dirty="0" smtClean="0"/>
+              <a:t> </a:t>
+            </a:r>
+            <a:r>
+              <a:rPr lang="en-US" altLang="zh-CN" dirty="0" smtClean="0"/>
+              <a:t>number</a:t>
+            </a:r>
+            <a:r>
+              <a:rPr lang="zh-CN" altLang="en-US" dirty="0" smtClean="0"/>
+              <a:t> </a:t>
+            </a:r>
+            <a:r>
+              <a:rPr lang="en-US" altLang="zh-CN" dirty="0" smtClean="0"/>
+              <a:t>of</a:t>
+            </a:r>
+            <a:r>
+              <a:rPr lang="zh-CN" altLang="en-US" dirty="0" smtClean="0"/>
+              <a:t> </a:t>
+            </a:r>
+            <a:r>
+              <a:rPr lang="en-US" altLang="zh-CN" dirty="0" smtClean="0"/>
+              <a:t>publications</a:t>
+            </a:r>
+            <a:r>
+              <a:rPr lang="zh-CN" altLang="en-US" dirty="0" smtClean="0"/>
+              <a:t> </a:t>
+            </a:r>
+            <a:r>
+              <a:rPr lang="en-US" altLang="zh-CN" dirty="0" smtClean="0"/>
+              <a:t>of</a:t>
+            </a:r>
+            <a:r>
+              <a:rPr lang="zh-CN" altLang="en-US" dirty="0" smtClean="0"/>
+              <a:t> </a:t>
+            </a:r>
+            <a:r>
+              <a:rPr lang="en-US" altLang="zh-CN" dirty="0" smtClean="0"/>
+              <a:t>the</a:t>
+            </a:r>
+            <a:r>
+              <a:rPr lang="zh-CN" altLang="en-US" dirty="0" smtClean="0"/>
+              <a:t> </a:t>
+            </a:r>
+            <a:r>
+              <a:rPr lang="en-US" altLang="zh-CN" dirty="0" smtClean="0"/>
+              <a:t>b</a:t>
+            </a:r>
+            <a:r>
               <a:rPr lang="en-US" dirty="0" smtClean="0"/>
-              <a:t>Bottom 30% of KOL in terms of number of publications at the 15</a:t>
-            </a:r>
-            <a:r>
-              <a:rPr lang="en-US" baseline="30000" dirty="0" smtClean="0"/>
-              <a:t>th</a:t>
+              <a:t>ottom </a:t>
             </a:r>
             <a:r>
               <a:rPr lang="en-US" dirty="0" smtClean="0"/>
-              <a:t> year</a:t>
+              <a:t>30% </a:t>
+            </a:r>
+            <a:r>
+              <a:rPr lang="en-US" dirty="0" smtClean="0"/>
+              <a:t>KOL</a:t>
+            </a:r>
+            <a:r>
+              <a:rPr lang="en-US" altLang="zh-CN" dirty="0" smtClean="0"/>
+              <a:t>s</a:t>
+            </a:r>
+          </a:p>
+          <a:p>
+            <a:endParaRPr lang="en-US" dirty="0" smtClean="0"/>
+          </a:p>
+          <a:p>
+            <a:r>
+              <a:rPr lang="en-US" dirty="0" smtClean="0"/>
+              <a:t>Methodology</a:t>
+            </a:r>
+            <a:r>
+              <a:rPr lang="en-US" dirty="0" smtClean="0"/>
+              <a:t>:</a:t>
             </a:r>
           </a:p>
           <a:p>
             <a:pPr lvl="1"/>
-            <a:endParaRPr lang="en-US" dirty="0"/>
-          </a:p>
-          <a:p>
             <a:r>
               <a:rPr lang="en-US" dirty="0" smtClean="0"/>
-              <a:t>Methodology:</a:t>
+              <a:t>Consistently publishes more than benchmark (bottom 30% KOL)</a:t>
             </a:r>
           </a:p>
           <a:p>
             <a:pPr lvl="1"/>
             <a:r>
               <a:rPr lang="en-US" dirty="0" smtClean="0"/>
-              <a:t>Consistently publishes more than benchmark (bottom 30% KOL)</a:t>
-            </a:r>
-          </a:p>
-          <a:p>
-            <a:pPr lvl="1"/>
+              <a:t>Younger than a age threshold (i.e. </a:t>
+            </a:r>
+            <a:r>
+              <a:rPr lang="en-US" altLang="zh-CN" dirty="0" smtClean="0"/>
+              <a:t>50</a:t>
+            </a:r>
             <a:r>
               <a:rPr lang="en-US" dirty="0" smtClean="0"/>
-              <a:t>Younger than a age threshold (i.e. 45)</a:t>
-            </a:r>
+              <a:t>)</a:t>
+            </a:r>
+            <a:endParaRPr lang="en-US" dirty="0" smtClean="0"/>
           </a:p>
           <a:p>
             <a:endParaRPr lang="en-US" dirty="0" smtClean="0"/>
@@ -7499,49 +7581,165 @@
           <a:p>
             <a:r>
               <a:rPr lang="en-US" dirty="0" smtClean="0"/>
-              <a:t>Younger than 45:</a:t>
+              <a:t>48 </a:t>
+            </a:r>
+            <a:r>
+              <a:rPr lang="en-US" dirty="0" smtClean="0"/>
+              <a:t>confirmed Rising </a:t>
+            </a:r>
+            <a:r>
+              <a:rPr lang="en-US" dirty="0" smtClean="0"/>
+              <a:t>Stars</a:t>
+            </a:r>
+            <a:r>
+              <a:rPr lang="zh-CN" altLang="en-US" dirty="0" smtClean="0"/>
+              <a:t> </a:t>
+            </a:r>
+            <a:r>
+              <a:rPr lang="en-US" altLang="zh-CN" dirty="0" smtClean="0"/>
+              <a:t>of</a:t>
+            </a:r>
+            <a:r>
+              <a:rPr lang="zh-CN" altLang="en-US" dirty="0" smtClean="0"/>
+              <a:t> </a:t>
+            </a:r>
+            <a:r>
+              <a:rPr lang="en-US" altLang="zh-CN" dirty="0" smtClean="0"/>
+              <a:t>50</a:t>
+            </a:r>
+            <a:r>
+              <a:rPr lang="en-US" altLang="zh-CN" dirty="0" smtClean="0"/>
+              <a:t>-year-old</a:t>
+            </a:r>
+            <a:r>
+              <a:rPr lang="zh-CN" altLang="en-US" dirty="0" smtClean="0"/>
+              <a:t> </a:t>
+            </a:r>
+            <a:r>
+              <a:rPr lang="en-US" altLang="zh-CN" dirty="0" smtClean="0"/>
+              <a:t>or</a:t>
+            </a:r>
+            <a:r>
+              <a:rPr lang="zh-CN" altLang="en-US" dirty="0" smtClean="0"/>
+              <a:t> </a:t>
+            </a:r>
+            <a:r>
+              <a:rPr lang="en-US" altLang="zh-CN" dirty="0" smtClean="0"/>
+              <a:t>younger</a:t>
             </a:r>
           </a:p>
           <a:p>
-            <a:pPr lvl="1"/>
-            <a:r>
-              <a:rPr lang="en-US" dirty="0" smtClean="0"/>
-              <a:t>18 confirmed Rising Stars</a:t>
-            </a:r>
+            <a:endParaRPr lang="en-US" dirty="0" smtClean="0"/>
           </a:p>
           <a:p>
-            <a:pPr lvl="1"/>
-            <a:r>
-              <a:rPr lang="en-US" dirty="0" smtClean="0"/>
-              <a:t>19 inconclusive due to unknown age</a:t>
-            </a:r>
-          </a:p>
-          <a:p>
-            <a:pPr lvl="1"/>
-            <a:endParaRPr lang="en-US" dirty="0"/>
-          </a:p>
-          <a:p>
-            <a:r>
-              <a:rPr lang="en-US" dirty="0" smtClean="0"/>
-              <a:t>Younger than 50:</a:t>
-            </a:r>
-          </a:p>
-          <a:p>
-            <a:pPr lvl="1"/>
-            <a:r>
-              <a:rPr lang="en-US" dirty="0" smtClean="0"/>
-              <a:t>47 confirmed Rising Stars</a:t>
-            </a:r>
-          </a:p>
-          <a:p>
-            <a:pPr lvl="1"/>
-            <a:r>
-              <a:rPr lang="en-US" dirty="0" smtClean="0"/>
-              <a:t>19 inconclusive due to unknown age</a:t>
-            </a:r>
-          </a:p>
-          <a:p>
-            <a:pPr lvl="1"/>
+            <a:r>
+              <a:rPr lang="en-US" altLang="zh-CN" dirty="0" smtClean="0"/>
+              <a:t>Another</a:t>
+            </a:r>
+            <a:r>
+              <a:rPr lang="zh-CN" altLang="en-US" dirty="0" smtClean="0"/>
+              <a:t> </a:t>
+            </a:r>
+            <a:r>
+              <a:rPr lang="en-US" altLang="zh-CN" dirty="0" smtClean="0"/>
+              <a:t>20</a:t>
+            </a:r>
+            <a:r>
+              <a:rPr lang="zh-CN" altLang="en-US" dirty="0" smtClean="0"/>
+              <a:t> </a:t>
+            </a:r>
+            <a:r>
+              <a:rPr lang="en-US" altLang="zh-CN" dirty="0" smtClean="0"/>
+              <a:t>who</a:t>
+            </a:r>
+            <a:r>
+              <a:rPr lang="zh-CN" altLang="en-US" dirty="0" smtClean="0"/>
+              <a:t> </a:t>
+            </a:r>
+            <a:r>
+              <a:rPr lang="en-US" altLang="zh-CN" dirty="0" smtClean="0"/>
+              <a:t>met</a:t>
+            </a:r>
+            <a:r>
+              <a:rPr lang="zh-CN" altLang="en-US" dirty="0" smtClean="0"/>
+              <a:t> </a:t>
+            </a:r>
+            <a:r>
+              <a:rPr lang="en-US" altLang="zh-CN" dirty="0" smtClean="0"/>
+              <a:t>benchmarking</a:t>
+            </a:r>
+            <a:r>
+              <a:rPr lang="zh-CN" altLang="en-US" dirty="0" smtClean="0"/>
+              <a:t> </a:t>
+            </a:r>
+            <a:r>
+              <a:rPr lang="en-US" altLang="zh-CN" dirty="0" smtClean="0"/>
+              <a:t>but,</a:t>
+            </a:r>
+            <a:r>
+              <a:rPr lang="zh-CN" altLang="en-US" dirty="0" smtClean="0"/>
+              <a:t> </a:t>
+            </a:r>
+            <a:r>
+              <a:rPr lang="en-US" altLang="zh-CN" dirty="0" smtClean="0"/>
+              <a:t>due</a:t>
+            </a:r>
+            <a:r>
+              <a:rPr lang="zh-CN" altLang="en-US" dirty="0" smtClean="0"/>
+              <a:t> </a:t>
+            </a:r>
+            <a:r>
+              <a:rPr lang="en-US" altLang="zh-CN" dirty="0" smtClean="0"/>
+              <a:t>to</a:t>
+            </a:r>
+            <a:r>
+              <a:rPr lang="zh-CN" altLang="en-US" dirty="0" smtClean="0"/>
+              <a:t> </a:t>
+            </a:r>
+            <a:r>
+              <a:rPr lang="en-US" altLang="zh-CN" dirty="0" smtClean="0"/>
+              <a:t>unknown</a:t>
+            </a:r>
+            <a:r>
+              <a:rPr lang="zh-CN" altLang="en-US" dirty="0" smtClean="0"/>
+              <a:t> </a:t>
+            </a:r>
+            <a:r>
+              <a:rPr lang="en-US" altLang="zh-CN" dirty="0" smtClean="0"/>
+              <a:t>age,</a:t>
+            </a:r>
+            <a:r>
+              <a:rPr lang="zh-CN" altLang="en-US" dirty="0" smtClean="0"/>
+              <a:t> </a:t>
+            </a:r>
+            <a:r>
+              <a:rPr lang="en-US" altLang="zh-CN" dirty="0" smtClean="0"/>
+              <a:t>are</a:t>
+            </a:r>
+            <a:r>
+              <a:rPr lang="zh-CN" altLang="en-US" dirty="0" smtClean="0"/>
+              <a:t> </a:t>
+            </a:r>
+            <a:r>
+              <a:rPr lang="en-US" altLang="zh-CN" dirty="0" smtClean="0"/>
+              <a:t>marked</a:t>
+            </a:r>
+            <a:r>
+              <a:rPr lang="zh-CN" altLang="en-US" dirty="0" smtClean="0"/>
+              <a:t> </a:t>
+            </a:r>
+            <a:r>
+              <a:rPr lang="en-US" altLang="zh-CN" dirty="0" smtClean="0"/>
+              <a:t>as</a:t>
+            </a:r>
+            <a:r>
+              <a:rPr lang="zh-CN" altLang="en-US" dirty="0" smtClean="0"/>
+              <a:t> </a:t>
+            </a:r>
+            <a:r>
+              <a:rPr lang="en-US" altLang="zh-CN" dirty="0" smtClean="0"/>
+              <a:t>“inconclusive”</a:t>
+            </a:r>
             <a:endParaRPr lang="en-US" dirty="0"/>
           </a:p>
         </p:txBody>
@@ -7550,6 +7748,107 @@
     <p:extLst>
       <p:ext uri="{BB962C8B-B14F-4D97-AF65-F5344CB8AC3E}">
         <p14:creationId xmlns:p14="http://schemas.microsoft.com/office/powerpoint/2010/main" val="1619146128"/>
+      </p:ext>
+    </p:extLst>
+  </p:cSld>
+  <p:clrMapOvr>
+    <a:masterClrMapping/>
+  </p:clrMapOvr>
+</p:sld>
+</file>
+
+<file path=ppt/slides/slide9.xml><?xml version="1.0" encoding="utf-8"?>
+<p:sld xmlns:a="http://schemas.openxmlformats.org/drawingml/2006/main" xmlns:r="http://schemas.openxmlformats.org/officeDocument/2006/relationships" xmlns:p="http://schemas.openxmlformats.org/presentationml/2006/main">
+  <p:cSld>
+    <p:spTree>
+      <p:nvGrpSpPr>
+        <p:cNvPr id="1" name=""/>
+        <p:cNvGrpSpPr/>
+        <p:nvPr/>
+      </p:nvGrpSpPr>
+      <p:grpSpPr>
+        <a:xfrm>
+          <a:off x="0" y="0"/>
+          <a:ext cx="0" cy="0"/>
+          <a:chOff x="0" y="0"/>
+          <a:chExt cx="0" cy="0"/>
+        </a:xfrm>
+      </p:grpSpPr>
+      <p:sp>
+        <p:nvSpPr>
+          <p:cNvPr id="2" name="Title 1"/>
+          <p:cNvSpPr>
+            <a:spLocks noGrp="1"/>
+          </p:cNvSpPr>
+          <p:nvPr>
+            <p:ph type="title"/>
+          </p:nvPr>
+        </p:nvSpPr>
+        <p:spPr/>
+        <p:txBody>
+          <a:bodyPr/>
+          <a:lstStyle/>
+          <a:p>
+            <a:r>
+              <a:rPr lang="en-US" altLang="zh-CN" dirty="0" smtClean="0"/>
+              <a:t>Next</a:t>
+            </a:r>
+            <a:r>
+              <a:rPr lang="zh-CN" altLang="en-US" dirty="0" smtClean="0"/>
+              <a:t> </a:t>
+            </a:r>
+            <a:r>
+              <a:rPr lang="en-US" altLang="zh-CN" dirty="0" smtClean="0"/>
+              <a:t>Step</a:t>
+            </a:r>
+            <a:endParaRPr lang="en-US" dirty="0"/>
+          </a:p>
+        </p:txBody>
+      </p:sp>
+      <p:sp>
+        <p:nvSpPr>
+          <p:cNvPr id="3" name="Content Placeholder 2"/>
+          <p:cNvSpPr>
+            <a:spLocks noGrp="1"/>
+          </p:cNvSpPr>
+          <p:nvPr>
+            <p:ph idx="12"/>
+          </p:nvPr>
+        </p:nvSpPr>
+        <p:spPr/>
+        <p:txBody>
+          <a:bodyPr/>
+          <a:lstStyle/>
+          <a:p>
+            <a:r>
+              <a:rPr lang="en-US" altLang="zh-CN" dirty="0" smtClean="0"/>
+              <a:t>Manual</a:t>
+            </a:r>
+            <a:r>
+              <a:rPr lang="zh-CN" altLang="en-US" dirty="0" smtClean="0"/>
+              <a:t> </a:t>
+            </a:r>
+            <a:r>
+              <a:rPr lang="en-US" altLang="zh-CN" dirty="0" smtClean="0"/>
+              <a:t>validation</a:t>
+            </a:r>
+          </a:p>
+          <a:p>
+            <a:endParaRPr lang="en-US" dirty="0"/>
+          </a:p>
+          <a:p>
+            <a:r>
+              <a:rPr lang="en-US" altLang="zh-CN" dirty="0" smtClean="0"/>
+              <a:t>Feedback</a:t>
+            </a:r>
+            <a:endParaRPr lang="en-US" dirty="0"/>
+          </a:p>
+        </p:txBody>
+      </p:sp>
+    </p:spTree>
+    <p:extLst>
+      <p:ext uri="{BB962C8B-B14F-4D97-AF65-F5344CB8AC3E}">
+        <p14:creationId xmlns:p14="http://schemas.microsoft.com/office/powerpoint/2010/main" val="675925018"/>
       </p:ext>
     </p:extLst>
   </p:cSld>

--- a/oncology_profile/Slides/Rising_stars_oncology_profiles_update_v1.pptx
+++ b/oncology_profile/Slides/Rising_stars_oncology_profiles_update_v1.pptx
@@ -7625,7 +7625,7 @@
             </a:r>
             <a:r>
               <a:rPr lang="en-US" altLang="zh-CN" dirty="0" smtClean="0"/>
-              <a:t>younger</a:t>
+              <a:t>younger (7.9%)</a:t>
             </a:r>
           </a:p>
           <a:p>
@@ -7738,7 +7738,11 @@
             </a:r>
             <a:r>
               <a:rPr lang="en-US" altLang="zh-CN" dirty="0" smtClean="0"/>
-              <a:t>“inconclusive”</a:t>
+              <a:t>“</a:t>
+            </a:r>
+            <a:r>
+              <a:rPr lang="en-US" altLang="zh-CN" smtClean="0"/>
+              <a:t>inconclusive” (3.3%)</a:t>
             </a:r>
             <a:endParaRPr lang="en-US" dirty="0"/>
           </a:p>

--- a/oncology_profile/Slides/Rising_stars_oncology_profiles_update_v1.pptx
+++ b/oncology_profile/Slides/Rising_stars_oncology_profiles_update_v1.pptx
@@ -15,9 +15,9 @@
     <p:sldId id="257" r:id="rId3"/>
     <p:sldId id="258" r:id="rId4"/>
     <p:sldId id="259" r:id="rId5"/>
-    <p:sldId id="260" r:id="rId6"/>
-    <p:sldId id="261" r:id="rId7"/>
-    <p:sldId id="262" r:id="rId8"/>
+    <p:sldId id="265" r:id="rId6"/>
+    <p:sldId id="260" r:id="rId7"/>
+    <p:sldId id="261" r:id="rId8"/>
     <p:sldId id="263" r:id="rId9"/>
     <p:sldId id="264" r:id="rId10"/>
   </p:sldIdLst>
@@ -205,13 +205,31 @@
               </a:defRPr>
             </a:pPr>
             <a:r>
+              <a:rPr lang="en-US" altLang="zh-CN" sz="1800" b="0" i="0" baseline="0" dirty="0" smtClean="0">
+                <a:solidFill>
+                  <a:srgbClr val="0070C0"/>
+                </a:solidFill>
+                <a:effectLst/>
+              </a:rPr>
+              <a:t>C</a:t>
+            </a:r>
+            <a:r>
               <a:rPr lang="en-US" sz="1800" b="0" i="0" baseline="0" dirty="0" smtClean="0">
                 <a:solidFill>
                   <a:srgbClr val="0070C0"/>
                 </a:solidFill>
                 <a:effectLst/>
               </a:rPr>
-              <a:t>Cumulative number of publications</a:t>
+              <a:t>umulative </a:t>
+            </a:r>
+            <a:r>
+              <a:rPr lang="en-US" sz="1800" b="0" i="0" baseline="0" dirty="0" smtClean="0">
+                <a:solidFill>
+                  <a:srgbClr val="0070C0"/>
+                </a:solidFill>
+                <a:effectLst/>
+              </a:rPr>
+              <a:t>number of publications</a:t>
             </a:r>
             <a:endParaRPr lang="en-US" dirty="0">
               <a:solidFill>
@@ -267,7 +285,7 @@
               <c:strCache>
                 <c:ptCount val="1"/>
                 <c:pt idx="0">
-                  <c:v>KOL</c:v>
+                  <c:v>Average KOL</c:v>
                 </c:pt>
               </c:strCache>
             </c:strRef>
@@ -354,7 +372,7 @@
             <c:numRef>
               <c:f>Sheet1!$B$2:$B$16</c:f>
               <c:numCache>
-                <c:formatCode>General</c:formatCode>
+                <c:formatCode>0.0</c:formatCode>
                 <c:ptCount val="15"/>
                 <c:pt idx="0">
                   <c:v>3.688888888888889</c:v>
@@ -372,7 +390,7 @@
                   <c:v>18.55555555555556</c:v>
                 </c:pt>
                 <c:pt idx="5">
-                  <c:v>24.72222222222221</c:v>
+                  <c:v>24.72222222222222</c:v>
                 </c:pt>
                 <c:pt idx="6">
                   <c:v>31.07777777777778</c:v>
@@ -381,19 +399,19 @@
                   <c:v>38.42222222222222</c:v>
                 </c:pt>
                 <c:pt idx="8">
-                  <c:v>46.96666666666665</c:v>
+                  <c:v>46.96666666666667</c:v>
                 </c:pt>
                 <c:pt idx="9">
                   <c:v>56.71111111111111</c:v>
                 </c:pt>
                 <c:pt idx="10">
-                  <c:v>68.12222222222221</c:v>
+                  <c:v>68.12222222222222</c:v>
                 </c:pt>
                 <c:pt idx="11">
                   <c:v>80.5111111111111</c:v>
                 </c:pt>
                 <c:pt idx="12">
-                  <c:v>94.53333333333332</c:v>
+                  <c:v>94.53333333333333</c:v>
                 </c:pt>
                 <c:pt idx="13">
                   <c:v>108.7777777777778</c:v>
@@ -415,7 +433,7 @@
               <c:strCache>
                 <c:ptCount val="1"/>
                 <c:pt idx="0">
-                  <c:v>KOL (bottom 30%)</c:v>
+                  <c:v>Average bottom 30% KOL</c:v>
                 </c:pt>
               </c:strCache>
             </c:strRef>
@@ -502,7 +520,7 @@
             <c:numRef>
               <c:f>Sheet1!$C$2:$C$16</c:f>
               <c:numCache>
-                <c:formatCode>General</c:formatCode>
+                <c:formatCode>0.0</c:formatCode>
                 <c:ptCount val="15"/>
                 <c:pt idx="0">
                   <c:v>2.5</c:v>
@@ -520,7 +538,7 @@
                   <c:v>6.966666666666666</c:v>
                 </c:pt>
                 <c:pt idx="5">
-                  <c:v>8.666666666666667</c:v>
+                  <c:v>8.666666666666665</c:v>
                 </c:pt>
                 <c:pt idx="6">
                   <c:v>10.16666666666667</c:v>
@@ -532,13 +550,13 @@
                   <c:v>13.56666666666667</c:v>
                 </c:pt>
                 <c:pt idx="9">
-                  <c:v>16.73333333333332</c:v>
+                  <c:v>16.73333333333333</c:v>
                 </c:pt>
                 <c:pt idx="10">
                   <c:v>19.3</c:v>
                 </c:pt>
                 <c:pt idx="11">
-                  <c:v>22.23333333333332</c:v>
+                  <c:v>22.23333333333333</c:v>
                 </c:pt>
                 <c:pt idx="12">
                   <c:v>26.5</c:v>
@@ -564,11 +582,11 @@
         </c:dLbls>
         <c:marker val="1"/>
         <c:smooth val="0"/>
-        <c:axId val="2104998768"/>
-        <c:axId val="2102748432"/>
+        <c:axId val="2108938784"/>
+        <c:axId val="2109595792"/>
       </c:lineChart>
       <c:catAx>
-        <c:axId val="2104998768"/>
+        <c:axId val="2108938784"/>
         <c:scaling>
           <c:orientation val="minMax"/>
         </c:scaling>
@@ -684,7 +702,7 @@
             <a:endParaRPr lang="en-US"/>
           </a:p>
         </c:txPr>
-        <c:crossAx val="2102748432"/>
+        <c:crossAx val="2109595792"/>
         <c:crosses val="autoZero"/>
         <c:auto val="1"/>
         <c:lblAlgn val="ctr"/>
@@ -692,7 +710,7 @@
         <c:noMultiLvlLbl val="0"/>
       </c:catAx>
       <c:valAx>
-        <c:axId val="2102748432"/>
+        <c:axId val="2109595792"/>
         <c:scaling>
           <c:orientation val="minMax"/>
         </c:scaling>
@@ -742,10 +760,49 @@
             <a:endParaRPr lang="en-US"/>
           </a:p>
         </c:txPr>
-        <c:crossAx val="2104998768"/>
+        <c:crossAx val="2108938784"/>
         <c:crosses val="autoZero"/>
         <c:crossBetween val="between"/>
       </c:valAx>
+      <c:dTable>
+        <c:showHorzBorder val="1"/>
+        <c:showVertBorder val="1"/>
+        <c:showOutline val="1"/>
+        <c:showKeys val="0"/>
+        <c:spPr>
+          <a:noFill/>
+          <a:ln w="9525" cap="flat" cmpd="sng" algn="ctr">
+            <a:solidFill>
+              <a:schemeClr val="tx1">
+                <a:lumMod val="15000"/>
+                <a:lumOff val="85000"/>
+              </a:schemeClr>
+            </a:solidFill>
+            <a:round/>
+          </a:ln>
+          <a:effectLst/>
+        </c:spPr>
+        <c:txPr>
+          <a:bodyPr rot="0" spcFirstLastPara="1" vertOverflow="ellipsis" vert="horz" wrap="square" anchor="ctr" anchorCtr="1"/>
+          <a:lstStyle/>
+          <a:p>
+            <a:pPr rtl="0">
+              <a:defRPr sz="1197" b="0" i="0" u="none" strike="noStrike" kern="1200" baseline="0">
+                <a:solidFill>
+                  <a:schemeClr val="tx1">
+                    <a:lumMod val="65000"/>
+                    <a:lumOff val="35000"/>
+                  </a:schemeClr>
+                </a:solidFill>
+                <a:latin typeface="+mn-lt"/>
+                <a:ea typeface="+mn-ea"/>
+                <a:cs typeface="+mn-cs"/>
+              </a:defRPr>
+            </a:pPr>
+            <a:endParaRPr lang="en-US"/>
+          </a:p>
+        </c:txPr>
+      </c:dTable>
       <c:spPr>
         <a:noFill/>
         <a:ln>
@@ -924,7 +981,17 @@
     </c:title>
     <c:autoTitleDeleted val="0"/>
     <c:plotArea>
-      <c:layout/>
+      <c:layout>
+        <c:manualLayout>
+          <c:layoutTarget val="inner"/>
+          <c:xMode val="edge"/>
+          <c:yMode val="edge"/>
+          <c:x val="0.0431269138232721"/>
+          <c:y val="0.12985750465763"/>
+          <c:w val="0.941826789880432"/>
+          <c:h val="0.643476570188935"/>
+        </c:manualLayout>
+      </c:layout>
       <c:lineChart>
         <c:grouping val="standard"/>
         <c:varyColors val="0"/>
@@ -937,7 +1004,7 @@
               <c:strCache>
                 <c:ptCount val="1"/>
                 <c:pt idx="0">
-                  <c:v>KOL</c:v>
+                  <c:v>Average KOL</c:v>
                 </c:pt>
               </c:strCache>
             </c:strRef>
@@ -966,60 +1033,6 @@
               <a:effectLst/>
             </c:spPr>
           </c:marker>
-          <c:cat>
-            <c:numRef>
-              <c:f>Sheet1!$A$2:$A$16</c:f>
-              <c:numCache>
-                <c:formatCode>General</c:formatCode>
-                <c:ptCount val="15"/>
-                <c:pt idx="0">
-                  <c:v>1.0</c:v>
-                </c:pt>
-                <c:pt idx="1">
-                  <c:v>2.0</c:v>
-                </c:pt>
-                <c:pt idx="2">
-                  <c:v>3.0</c:v>
-                </c:pt>
-                <c:pt idx="3">
-                  <c:v>4.0</c:v>
-                </c:pt>
-                <c:pt idx="4">
-                  <c:v>5.0</c:v>
-                </c:pt>
-                <c:pt idx="5">
-                  <c:v>6.0</c:v>
-                </c:pt>
-                <c:pt idx="6">
-                  <c:v>7.0</c:v>
-                </c:pt>
-                <c:pt idx="7">
-                  <c:v>8.0</c:v>
-                </c:pt>
-                <c:pt idx="8">
-                  <c:v>9.0</c:v>
-                </c:pt>
-                <c:pt idx="9">
-                  <c:v>10.0</c:v>
-                </c:pt>
-                <c:pt idx="10">
-                  <c:v>11.0</c:v>
-                </c:pt>
-                <c:pt idx="11">
-                  <c:v>12.0</c:v>
-                </c:pt>
-                <c:pt idx="12">
-                  <c:v>13.0</c:v>
-                </c:pt>
-                <c:pt idx="13">
-                  <c:v>14.0</c:v>
-                </c:pt>
-                <c:pt idx="14">
-                  <c:v>15.0</c:v>
-                </c:pt>
-              </c:numCache>
-            </c:numRef>
-          </c:cat>
           <c:val>
             <c:numRef>
               <c:f>Sheet1!$B$2:$B$16</c:f>
@@ -1063,7 +1076,7 @@
                   <c:v>80.51111111</c:v>
                 </c:pt>
                 <c:pt idx="12">
-                  <c:v>94.53333332999999</c:v>
+                  <c:v>94.53333333</c:v>
                 </c:pt>
                 <c:pt idx="13">
                   <c:v>108.7777778</c:v>
@@ -1085,7 +1098,7 @@
               <c:strCache>
                 <c:ptCount val="1"/>
                 <c:pt idx="0">
-                  <c:v>KOL (bottom 30%)</c:v>
+                  <c:v>Average bottom 30% KOL</c:v>
                 </c:pt>
               </c:strCache>
             </c:strRef>
@@ -1114,60 +1127,6 @@
               <a:effectLst/>
             </c:spPr>
           </c:marker>
-          <c:cat>
-            <c:numRef>
-              <c:f>Sheet1!$A$2:$A$16</c:f>
-              <c:numCache>
-                <c:formatCode>General</c:formatCode>
-                <c:ptCount val="15"/>
-                <c:pt idx="0">
-                  <c:v>1.0</c:v>
-                </c:pt>
-                <c:pt idx="1">
-                  <c:v>2.0</c:v>
-                </c:pt>
-                <c:pt idx="2">
-                  <c:v>3.0</c:v>
-                </c:pt>
-                <c:pt idx="3">
-                  <c:v>4.0</c:v>
-                </c:pt>
-                <c:pt idx="4">
-                  <c:v>5.0</c:v>
-                </c:pt>
-                <c:pt idx="5">
-                  <c:v>6.0</c:v>
-                </c:pt>
-                <c:pt idx="6">
-                  <c:v>7.0</c:v>
-                </c:pt>
-                <c:pt idx="7">
-                  <c:v>8.0</c:v>
-                </c:pt>
-                <c:pt idx="8">
-                  <c:v>9.0</c:v>
-                </c:pt>
-                <c:pt idx="9">
-                  <c:v>10.0</c:v>
-                </c:pt>
-                <c:pt idx="10">
-                  <c:v>11.0</c:v>
-                </c:pt>
-                <c:pt idx="11">
-                  <c:v>12.0</c:v>
-                </c:pt>
-                <c:pt idx="12">
-                  <c:v>13.0</c:v>
-                </c:pt>
-                <c:pt idx="13">
-                  <c:v>14.0</c:v>
-                </c:pt>
-                <c:pt idx="14">
-                  <c:v>15.0</c:v>
-                </c:pt>
-              </c:numCache>
-            </c:numRef>
-          </c:cat>
           <c:val>
             <c:numRef>
               <c:f>Sheet1!$C$2:$C$16</c:f>
@@ -1230,6 +1189,100 @@
           <c:tx>
             <c:strRef>
               <c:f>Sheet1!$D$1</c:f>
+              <c:strCache>
+                <c:ptCount val="1"/>
+                <c:pt idx="0">
+                  <c:v>HBE_IDN_5000633</c:v>
+                </c:pt>
+              </c:strCache>
+            </c:strRef>
+          </c:tx>
+          <c:spPr>
+            <a:ln w="28575" cap="rnd">
+              <a:solidFill>
+                <a:schemeClr val="accent4"/>
+              </a:solidFill>
+              <a:round/>
+            </a:ln>
+            <a:effectLst/>
+          </c:spPr>
+          <c:marker>
+            <c:symbol val="circle"/>
+            <c:size val="5"/>
+            <c:spPr>
+              <a:solidFill>
+                <a:srgbClr val="7030A0"/>
+              </a:solidFill>
+              <a:ln w="9525">
+                <a:solidFill>
+                  <a:srgbClr val="7030A0"/>
+                </a:solidFill>
+              </a:ln>
+              <a:effectLst/>
+            </c:spPr>
+          </c:marker>
+          <c:val>
+            <c:numRef>
+              <c:f>Sheet1!$D$2:$D$16</c:f>
+              <c:numCache>
+                <c:formatCode>General</c:formatCode>
+                <c:ptCount val="15"/>
+                <c:pt idx="0">
+                  <c:v>4.0</c:v>
+                </c:pt>
+                <c:pt idx="1">
+                  <c:v>6.0</c:v>
+                </c:pt>
+                <c:pt idx="2">
+                  <c:v>6.0</c:v>
+                </c:pt>
+                <c:pt idx="3">
+                  <c:v>7.0</c:v>
+                </c:pt>
+                <c:pt idx="4">
+                  <c:v>7.0</c:v>
+                </c:pt>
+                <c:pt idx="5">
+                  <c:v>14.0</c:v>
+                </c:pt>
+                <c:pt idx="6">
+                  <c:v>22.0</c:v>
+                </c:pt>
+                <c:pt idx="7">
+                  <c:v>29.0</c:v>
+                </c:pt>
+                <c:pt idx="8">
+                  <c:v>38.0</c:v>
+                </c:pt>
+                <c:pt idx="9">
+                  <c:v>41.0</c:v>
+                </c:pt>
+                <c:pt idx="10">
+                  <c:v>45.0</c:v>
+                </c:pt>
+                <c:pt idx="11">
+                  <c:v>53.0</c:v>
+                </c:pt>
+                <c:pt idx="12">
+                  <c:v>60.0</c:v>
+                </c:pt>
+                <c:pt idx="13">
+                  <c:v>65.0</c:v>
+                </c:pt>
+                <c:pt idx="14">
+                  <c:v>74.0</c:v>
+                </c:pt>
+              </c:numCache>
+            </c:numRef>
+          </c:val>
+          <c:smooth val="0"/>
+        </c:ser>
+        <c:ser>
+          <c:idx val="4"/>
+          <c:order val="3"/>
+          <c:tx>
+            <c:strRef>
+              <c:f>Sheet1!$E$1</c:f>
               <c:strCache>
                 <c:ptCount val="1"/>
                 <c:pt idx="0">
@@ -1262,63 +1315,9 @@
               <a:effectLst/>
             </c:spPr>
           </c:marker>
-          <c:cat>
-            <c:numRef>
-              <c:f>Sheet1!$A$2:$A$16</c:f>
-              <c:numCache>
-                <c:formatCode>General</c:formatCode>
-                <c:ptCount val="15"/>
-                <c:pt idx="0">
-                  <c:v>1.0</c:v>
-                </c:pt>
-                <c:pt idx="1">
-                  <c:v>2.0</c:v>
-                </c:pt>
-                <c:pt idx="2">
-                  <c:v>3.0</c:v>
-                </c:pt>
-                <c:pt idx="3">
-                  <c:v>4.0</c:v>
-                </c:pt>
-                <c:pt idx="4">
-                  <c:v>5.0</c:v>
-                </c:pt>
-                <c:pt idx="5">
-                  <c:v>6.0</c:v>
-                </c:pt>
-                <c:pt idx="6">
-                  <c:v>7.0</c:v>
-                </c:pt>
-                <c:pt idx="7">
-                  <c:v>8.0</c:v>
-                </c:pt>
-                <c:pt idx="8">
-                  <c:v>9.0</c:v>
-                </c:pt>
-                <c:pt idx="9">
-                  <c:v>10.0</c:v>
-                </c:pt>
-                <c:pt idx="10">
-                  <c:v>11.0</c:v>
-                </c:pt>
-                <c:pt idx="11">
-                  <c:v>12.0</c:v>
-                </c:pt>
-                <c:pt idx="12">
-                  <c:v>13.0</c:v>
-                </c:pt>
-                <c:pt idx="13">
-                  <c:v>14.0</c:v>
-                </c:pt>
-                <c:pt idx="14">
-                  <c:v>15.0</c:v>
-                </c:pt>
-              </c:numCache>
-            </c:numRef>
-          </c:cat>
           <c:val>
             <c:numRef>
-              <c:f>Sheet1!$D$2:$D$16</c:f>
+              <c:f>Sheet1!$E$2:$E$16</c:f>
               <c:numCache>
                 <c:formatCode>General</c:formatCode>
                 <c:ptCount val="15"/>
@@ -1366,154 +1365,6 @@
                 </c:pt>
                 <c:pt idx="14">
                   <c:v>87.0</c:v>
-                </c:pt>
-              </c:numCache>
-            </c:numRef>
-          </c:val>
-          <c:smooth val="0"/>
-        </c:ser>
-        <c:ser>
-          <c:idx val="4"/>
-          <c:order val="3"/>
-          <c:tx>
-            <c:strRef>
-              <c:f>Sheet1!$F$1</c:f>
-              <c:strCache>
-                <c:ptCount val="1"/>
-                <c:pt idx="0">
-                  <c:v>HBE_IDN_5002005</c:v>
-                </c:pt>
-              </c:strCache>
-            </c:strRef>
-          </c:tx>
-          <c:spPr>
-            <a:ln w="28575" cap="rnd">
-              <a:solidFill>
-                <a:srgbClr val="7030A0"/>
-              </a:solidFill>
-              <a:round/>
-            </a:ln>
-            <a:effectLst/>
-          </c:spPr>
-          <c:marker>
-            <c:symbol val="circle"/>
-            <c:size val="5"/>
-            <c:spPr>
-              <a:solidFill>
-                <a:srgbClr val="7030A0"/>
-              </a:solidFill>
-              <a:ln w="9525">
-                <a:solidFill>
-                  <a:srgbClr val="7030A0"/>
-                </a:solidFill>
-              </a:ln>
-              <a:effectLst/>
-            </c:spPr>
-          </c:marker>
-          <c:cat>
-            <c:numRef>
-              <c:f>Sheet1!$A$2:$A$16</c:f>
-              <c:numCache>
-                <c:formatCode>General</c:formatCode>
-                <c:ptCount val="15"/>
-                <c:pt idx="0">
-                  <c:v>1.0</c:v>
-                </c:pt>
-                <c:pt idx="1">
-                  <c:v>2.0</c:v>
-                </c:pt>
-                <c:pt idx="2">
-                  <c:v>3.0</c:v>
-                </c:pt>
-                <c:pt idx="3">
-                  <c:v>4.0</c:v>
-                </c:pt>
-                <c:pt idx="4">
-                  <c:v>5.0</c:v>
-                </c:pt>
-                <c:pt idx="5">
-                  <c:v>6.0</c:v>
-                </c:pt>
-                <c:pt idx="6">
-                  <c:v>7.0</c:v>
-                </c:pt>
-                <c:pt idx="7">
-                  <c:v>8.0</c:v>
-                </c:pt>
-                <c:pt idx="8">
-                  <c:v>9.0</c:v>
-                </c:pt>
-                <c:pt idx="9">
-                  <c:v>10.0</c:v>
-                </c:pt>
-                <c:pt idx="10">
-                  <c:v>11.0</c:v>
-                </c:pt>
-                <c:pt idx="11">
-                  <c:v>12.0</c:v>
-                </c:pt>
-                <c:pt idx="12">
-                  <c:v>13.0</c:v>
-                </c:pt>
-                <c:pt idx="13">
-                  <c:v>14.0</c:v>
-                </c:pt>
-                <c:pt idx="14">
-                  <c:v>15.0</c:v>
-                </c:pt>
-              </c:numCache>
-            </c:numRef>
-          </c:cat>
-          <c:val>
-            <c:numRef>
-              <c:f>Sheet1!$F$2:$F$16</c:f>
-              <c:numCache>
-                <c:formatCode>General</c:formatCode>
-                <c:ptCount val="15"/>
-                <c:pt idx="0">
-                  <c:v>2.0</c:v>
-                </c:pt>
-                <c:pt idx="1">
-                  <c:v>5.0</c:v>
-                </c:pt>
-                <c:pt idx="2">
-                  <c:v>10.0</c:v>
-                </c:pt>
-                <c:pt idx="3">
-                  <c:v>16.0</c:v>
-                </c:pt>
-                <c:pt idx="4">
-                  <c:v>22.0</c:v>
-                </c:pt>
-                <c:pt idx="5">
-                  <c:v>31.0</c:v>
-                </c:pt>
-                <c:pt idx="6">
-                  <c:v>43.0</c:v>
-                </c:pt>
-                <c:pt idx="7">
-                  <c:v>57.0</c:v>
-                </c:pt>
-                <c:pt idx="8">
-                  <c:v>73.0</c:v>
-                </c:pt>
-                <c:pt idx="9">
-                  <c:v>85.0</c:v>
-                </c:pt>
-                <c:pt idx="10">
-                  <c:v>92.0</c:v>
-                </c:pt>
-                <c:pt idx="11">
-                  <c:v>99.0</c:v>
-                </c:pt>
-                <c:pt idx="12">
-                  <c:v>99.0</c:v>
-                </c:pt>
-                <c:pt idx="13">
-                  <c:v>99.0</c:v>
-                </c:pt>
-                <c:pt idx="14">
-                  <c:v>99.0</c:v>
                 </c:pt>
               </c:numCache>
             </c:numRef>
@@ -1530,11 +1381,11 @@
         </c:dLbls>
         <c:marker val="1"/>
         <c:smooth val="0"/>
-        <c:axId val="2102776112"/>
-        <c:axId val="2102780384"/>
+        <c:axId val="2112406800"/>
+        <c:axId val="2109503968"/>
       </c:lineChart>
       <c:catAx>
-        <c:axId val="2102776112"/>
+        <c:axId val="2112406800"/>
         <c:scaling>
           <c:orientation val="minMax"/>
         </c:scaling>
@@ -1672,7 +1523,7 @@
             <a:endParaRPr lang="en-US"/>
           </a:p>
         </c:txPr>
-        <c:crossAx val="2102780384"/>
+        <c:crossAx val="2109503968"/>
         <c:crosses val="autoZero"/>
         <c:auto val="1"/>
         <c:lblAlgn val="ctr"/>
@@ -1680,7 +1531,7 @@
         <c:noMultiLvlLbl val="0"/>
       </c:catAx>
       <c:valAx>
-        <c:axId val="2102780384"/>
+        <c:axId val="2109503968"/>
         <c:scaling>
           <c:orientation val="minMax"/>
         </c:scaling>
@@ -1730,679 +1581,7 @@
             <a:endParaRPr lang="en-US"/>
           </a:p>
         </c:txPr>
-        <c:crossAx val="2102776112"/>
-        <c:crosses val="autoZero"/>
-        <c:crossBetween val="between"/>
-      </c:valAx>
-      <c:spPr>
-        <a:noFill/>
-        <a:ln>
-          <a:noFill/>
-        </a:ln>
-        <a:effectLst/>
-      </c:spPr>
-    </c:plotArea>
-    <c:legend>
-      <c:legendPos val="b"/>
-      <c:layout/>
-      <c:overlay val="0"/>
-      <c:spPr>
-        <a:noFill/>
-        <a:ln>
-          <a:noFill/>
-        </a:ln>
-        <a:effectLst/>
-      </c:spPr>
-      <c:txPr>
-        <a:bodyPr rot="0" spcFirstLastPara="1" vertOverflow="ellipsis" vert="horz" wrap="square" anchor="ctr" anchorCtr="1"/>
-        <a:lstStyle/>
-        <a:p>
-          <a:pPr>
-            <a:defRPr sz="1197" b="0" i="0" u="none" strike="noStrike" kern="1200" baseline="0">
-              <a:solidFill>
-                <a:schemeClr val="tx1">
-                  <a:lumMod val="65000"/>
-                  <a:lumOff val="35000"/>
-                </a:schemeClr>
-              </a:solidFill>
-              <a:latin typeface="+mn-lt"/>
-              <a:ea typeface="+mn-ea"/>
-              <a:cs typeface="+mn-cs"/>
-            </a:defRPr>
-          </a:pPr>
-          <a:endParaRPr lang="en-US"/>
-        </a:p>
-      </c:txPr>
-    </c:legend>
-    <c:plotVisOnly val="1"/>
-    <c:dispBlanksAs val="gap"/>
-    <c:showDLblsOverMax val="0"/>
-  </c:chart>
-  <c:spPr>
-    <a:noFill/>
-    <a:ln>
-      <a:noFill/>
-    </a:ln>
-    <a:effectLst/>
-  </c:spPr>
-  <c:txPr>
-    <a:bodyPr/>
-    <a:lstStyle/>
-    <a:p>
-      <a:pPr>
-        <a:defRPr/>
-      </a:pPr>
-      <a:endParaRPr lang="en-US"/>
-    </a:p>
-  </c:txPr>
-  <c:externalData r:id="rId3">
-    <c:autoUpdate val="0"/>
-  </c:externalData>
-</c:chartSpace>
-</file>
-
-<file path=ppt/charts/chart3.xml><?xml version="1.0" encoding="utf-8"?>
-<c:chartSpace xmlns:c="http://schemas.openxmlformats.org/drawingml/2006/chart" xmlns:a="http://schemas.openxmlformats.org/drawingml/2006/main" xmlns:r="http://schemas.openxmlformats.org/officeDocument/2006/relationships">
-  <c:date1904 val="0"/>
-  <c:lang val="en-US"/>
-  <c:roundedCorners val="0"/>
-  <mc:AlternateContent xmlns:mc="http://schemas.openxmlformats.org/markup-compatibility/2006">
-    <mc:Choice xmlns:c14="http://schemas.microsoft.com/office/drawing/2007/8/2/chart" Requires="c14">
-      <c14:style val="106"/>
-    </mc:Choice>
-    <mc:Fallback>
-      <c:style val="6"/>
-    </mc:Fallback>
-  </mc:AlternateContent>
-  <c:chart>
-    <c:title>
-      <c:tx>
-        <c:rich>
-          <a:bodyPr rot="0" spcFirstLastPara="1" vertOverflow="ellipsis" vert="horz" wrap="square" anchor="ctr" anchorCtr="1"/>
-          <a:lstStyle/>
-          <a:p>
-            <a:pPr>
-              <a:defRPr sz="1862" b="0" i="0" u="none" strike="noStrike" kern="1200" spc="0" baseline="0">
-                <a:solidFill>
-                  <a:schemeClr val="tx1">
-                    <a:lumMod val="65000"/>
-                    <a:lumOff val="35000"/>
-                  </a:schemeClr>
-                </a:solidFill>
-                <a:latin typeface="+mn-lt"/>
-                <a:ea typeface="+mn-ea"/>
-                <a:cs typeface="+mn-cs"/>
-              </a:defRPr>
-            </a:pPr>
-            <a:r>
-              <a:rPr lang="en-US" sz="1800" b="0" i="0" baseline="0" dirty="0" smtClean="0">
-                <a:solidFill>
-                  <a:srgbClr val="0070C0"/>
-                </a:solidFill>
-                <a:effectLst/>
-              </a:rPr>
-              <a:t>Cumulative number of publications</a:t>
-            </a:r>
-            <a:endParaRPr lang="en-US" dirty="0">
-              <a:solidFill>
-                <a:srgbClr val="0070C0"/>
-              </a:solidFill>
-              <a:effectLst/>
-            </a:endParaRPr>
-          </a:p>
-        </c:rich>
-      </c:tx>
-      <c:layout/>
-      <c:overlay val="0"/>
-      <c:spPr>
-        <a:noFill/>
-        <a:ln>
-          <a:noFill/>
-        </a:ln>
-        <a:effectLst/>
-      </c:spPr>
-      <c:txPr>
-        <a:bodyPr rot="0" spcFirstLastPara="1" vertOverflow="ellipsis" vert="horz" wrap="square" anchor="ctr" anchorCtr="1"/>
-        <a:lstStyle/>
-        <a:p>
-          <a:pPr>
-            <a:defRPr sz="1862" b="0" i="0" u="none" strike="noStrike" kern="1200" spc="0" baseline="0">
-              <a:solidFill>
-                <a:schemeClr val="tx1">
-                  <a:lumMod val="65000"/>
-                  <a:lumOff val="35000"/>
-                </a:schemeClr>
-              </a:solidFill>
-              <a:latin typeface="+mn-lt"/>
-              <a:ea typeface="+mn-ea"/>
-              <a:cs typeface="+mn-cs"/>
-            </a:defRPr>
-          </a:pPr>
-          <a:endParaRPr lang="en-US"/>
-        </a:p>
-      </c:txPr>
-    </c:title>
-    <c:autoTitleDeleted val="0"/>
-    <c:plotArea>
-      <c:layout/>
-      <c:lineChart>
-        <c:grouping val="standard"/>
-        <c:varyColors val="0"/>
-        <c:ser>
-          <c:idx val="0"/>
-          <c:order val="0"/>
-          <c:tx>
-            <c:strRef>
-              <c:f>Sheet1!$B$1</c:f>
-              <c:strCache>
-                <c:ptCount val="1"/>
-                <c:pt idx="0">
-                  <c:v>KOL</c:v>
-                </c:pt>
-              </c:strCache>
-            </c:strRef>
-          </c:tx>
-          <c:spPr>
-            <a:ln w="28575" cap="rnd">
-              <a:solidFill>
-                <a:srgbClr val="FFC000"/>
-              </a:solidFill>
-              <a:round/>
-            </a:ln>
-            <a:effectLst/>
-          </c:spPr>
-          <c:marker>
-            <c:symbol val="circle"/>
-            <c:size val="5"/>
-            <c:spPr>
-              <a:solidFill>
-                <a:srgbClr val="FFC000"/>
-              </a:solidFill>
-              <a:ln w="9525">
-                <a:solidFill>
-                  <a:srgbClr val="FFC000"/>
-                </a:solidFill>
-              </a:ln>
-              <a:effectLst/>
-            </c:spPr>
-          </c:marker>
-          <c:cat>
-            <c:numRef>
-              <c:f>Sheet1!$A$2:$A$4</c:f>
-              <c:numCache>
-                <c:formatCode>General</c:formatCode>
-                <c:ptCount val="3"/>
-                <c:pt idx="0">
-                  <c:v>1.0</c:v>
-                </c:pt>
-                <c:pt idx="1">
-                  <c:v>2.0</c:v>
-                </c:pt>
-                <c:pt idx="2">
-                  <c:v>3.0</c:v>
-                </c:pt>
-              </c:numCache>
-            </c:numRef>
-          </c:cat>
-          <c:val>
-            <c:numRef>
-              <c:f>Sheet1!$B$2:$B$4</c:f>
-              <c:numCache>
-                <c:formatCode>General</c:formatCode>
-                <c:ptCount val="3"/>
-                <c:pt idx="0">
-                  <c:v>3.688888889</c:v>
-                </c:pt>
-                <c:pt idx="1">
-                  <c:v>6.3</c:v>
-                </c:pt>
-                <c:pt idx="2">
-                  <c:v>9.022222222</c:v>
-                </c:pt>
-              </c:numCache>
-            </c:numRef>
-          </c:val>
-          <c:smooth val="0"/>
-        </c:ser>
-        <c:ser>
-          <c:idx val="1"/>
-          <c:order val="1"/>
-          <c:tx>
-            <c:strRef>
-              <c:f>Sheet1!$C$1</c:f>
-              <c:strCache>
-                <c:ptCount val="1"/>
-                <c:pt idx="0">
-                  <c:v>KOL (bottom 30%)</c:v>
-                </c:pt>
-              </c:strCache>
-            </c:strRef>
-          </c:tx>
-          <c:spPr>
-            <a:ln w="28575" cap="rnd">
-              <a:solidFill>
-                <a:srgbClr val="C00000"/>
-              </a:solidFill>
-              <a:round/>
-            </a:ln>
-            <a:effectLst/>
-          </c:spPr>
-          <c:marker>
-            <c:symbol val="circle"/>
-            <c:size val="5"/>
-            <c:spPr>
-              <a:solidFill>
-                <a:srgbClr val="C00000"/>
-              </a:solidFill>
-              <a:ln w="9525">
-                <a:solidFill>
-                  <a:srgbClr val="C00000"/>
-                </a:solidFill>
-              </a:ln>
-              <a:effectLst/>
-            </c:spPr>
-          </c:marker>
-          <c:cat>
-            <c:numRef>
-              <c:f>Sheet1!$A$2:$A$4</c:f>
-              <c:numCache>
-                <c:formatCode>General</c:formatCode>
-                <c:ptCount val="3"/>
-                <c:pt idx="0">
-                  <c:v>1.0</c:v>
-                </c:pt>
-                <c:pt idx="1">
-                  <c:v>2.0</c:v>
-                </c:pt>
-                <c:pt idx="2">
-                  <c:v>3.0</c:v>
-                </c:pt>
-              </c:numCache>
-            </c:numRef>
-          </c:cat>
-          <c:val>
-            <c:numRef>
-              <c:f>Sheet1!$C$2:$C$4</c:f>
-              <c:numCache>
-                <c:formatCode>General</c:formatCode>
-                <c:ptCount val="3"/>
-                <c:pt idx="0">
-                  <c:v>2.5</c:v>
-                </c:pt>
-                <c:pt idx="1">
-                  <c:v>3.2</c:v>
-                </c:pt>
-                <c:pt idx="2">
-                  <c:v>4.133333333</c:v>
-                </c:pt>
-              </c:numCache>
-            </c:numRef>
-          </c:val>
-          <c:smooth val="0"/>
-        </c:ser>
-        <c:ser>
-          <c:idx val="2"/>
-          <c:order val="2"/>
-          <c:tx>
-            <c:strRef>
-              <c:f>Sheet1!$D$1</c:f>
-              <c:strCache>
-                <c:ptCount val="1"/>
-                <c:pt idx="0">
-                  <c:v>HBE_IDN_5002030</c:v>
-                </c:pt>
-              </c:strCache>
-            </c:strRef>
-          </c:tx>
-          <c:spPr>
-            <a:ln w="28575" cap="rnd">
-              <a:solidFill>
-                <a:srgbClr val="7030A0"/>
-              </a:solidFill>
-              <a:round/>
-            </a:ln>
-            <a:effectLst/>
-          </c:spPr>
-          <c:marker>
-            <c:symbol val="circle"/>
-            <c:size val="5"/>
-            <c:spPr>
-              <a:solidFill>
-                <a:srgbClr val="7030A0"/>
-              </a:solidFill>
-              <a:ln w="9525">
-                <a:solidFill>
-                  <a:srgbClr val="7030A0"/>
-                </a:solidFill>
-              </a:ln>
-              <a:effectLst/>
-            </c:spPr>
-          </c:marker>
-          <c:cat>
-            <c:numRef>
-              <c:f>Sheet1!$A$2:$A$4</c:f>
-              <c:numCache>
-                <c:formatCode>General</c:formatCode>
-                <c:ptCount val="3"/>
-                <c:pt idx="0">
-                  <c:v>1.0</c:v>
-                </c:pt>
-                <c:pt idx="1">
-                  <c:v>2.0</c:v>
-                </c:pt>
-                <c:pt idx="2">
-                  <c:v>3.0</c:v>
-                </c:pt>
-              </c:numCache>
-            </c:numRef>
-          </c:cat>
-          <c:val>
-            <c:numRef>
-              <c:f>Sheet1!$D$2:$D$4</c:f>
-              <c:numCache>
-                <c:formatCode>General</c:formatCode>
-                <c:ptCount val="3"/>
-                <c:pt idx="0">
-                  <c:v>6.0</c:v>
-                </c:pt>
-                <c:pt idx="1">
-                  <c:v>9.0</c:v>
-                </c:pt>
-                <c:pt idx="2">
-                  <c:v>12.0</c:v>
-                </c:pt>
-              </c:numCache>
-            </c:numRef>
-          </c:val>
-          <c:smooth val="0"/>
-        </c:ser>
-        <c:ser>
-          <c:idx val="4"/>
-          <c:order val="3"/>
-          <c:tx>
-            <c:strRef>
-              <c:f>Sheet1!$F$1</c:f>
-              <c:strCache>
-                <c:ptCount val="1"/>
-                <c:pt idx="0">
-                  <c:v>HBE_IDN_5002005</c:v>
-                </c:pt>
-              </c:strCache>
-            </c:strRef>
-          </c:tx>
-          <c:spPr>
-            <a:ln w="28575" cap="rnd">
-              <a:solidFill>
-                <a:srgbClr val="00B050"/>
-              </a:solidFill>
-              <a:round/>
-            </a:ln>
-            <a:effectLst/>
-          </c:spPr>
-          <c:marker>
-            <c:symbol val="circle"/>
-            <c:size val="5"/>
-            <c:spPr>
-              <a:solidFill>
-                <a:srgbClr val="00B050"/>
-              </a:solidFill>
-              <a:ln w="9525">
-                <a:solidFill>
-                  <a:srgbClr val="00B050"/>
-                </a:solidFill>
-              </a:ln>
-              <a:effectLst/>
-            </c:spPr>
-          </c:marker>
-          <c:cat>
-            <c:numRef>
-              <c:f>Sheet1!$A$2:$A$4</c:f>
-              <c:numCache>
-                <c:formatCode>General</c:formatCode>
-                <c:ptCount val="3"/>
-                <c:pt idx="0">
-                  <c:v>1.0</c:v>
-                </c:pt>
-                <c:pt idx="1">
-                  <c:v>2.0</c:v>
-                </c:pt>
-                <c:pt idx="2">
-                  <c:v>3.0</c:v>
-                </c:pt>
-              </c:numCache>
-            </c:numRef>
-          </c:cat>
-          <c:val>
-            <c:numRef>
-              <c:f>Sheet1!$F$2:$F$4</c:f>
-              <c:numCache>
-                <c:formatCode>General</c:formatCode>
-                <c:ptCount val="3"/>
-                <c:pt idx="0">
-                  <c:v>2.0</c:v>
-                </c:pt>
-                <c:pt idx="1">
-                  <c:v>5.0</c:v>
-                </c:pt>
-                <c:pt idx="2">
-                  <c:v>10.0</c:v>
-                </c:pt>
-              </c:numCache>
-            </c:numRef>
-          </c:val>
-          <c:smooth val="0"/>
-        </c:ser>
-        <c:dLbls>
-          <c:showLegendKey val="0"/>
-          <c:showVal val="0"/>
-          <c:showCatName val="0"/>
-          <c:showSerName val="0"/>
-          <c:showPercent val="0"/>
-          <c:showBubbleSize val="0"/>
-        </c:dLbls>
-        <c:marker val="1"/>
-        <c:smooth val="0"/>
-        <c:axId val="2102819200"/>
-        <c:axId val="2102823472"/>
-      </c:lineChart>
-      <c:catAx>
-        <c:axId val="2102819200"/>
-        <c:scaling>
-          <c:orientation val="minMax"/>
-        </c:scaling>
-        <c:delete val="0"/>
-        <c:axPos val="b"/>
-        <c:title>
-          <c:tx>
-            <c:rich>
-              <a:bodyPr rot="0" spcFirstLastPara="1" vertOverflow="ellipsis" vert="horz" wrap="square" anchor="ctr" anchorCtr="1"/>
-              <a:lstStyle/>
-              <a:p>
-                <a:pPr marL="0" marR="0" indent="0" algn="ctr" defTabSz="914400" rtl="0" eaLnBrk="1" fontAlgn="auto" latinLnBrk="0" hangingPunct="1">
-                  <a:lnSpc>
-                    <a:spcPct val="100000"/>
-                  </a:lnSpc>
-                  <a:spcBef>
-                    <a:spcPts val="0"/>
-                  </a:spcBef>
-                  <a:spcAft>
-                    <a:spcPts val="0"/>
-                  </a:spcAft>
-                  <a:buClrTx/>
-                  <a:buSzTx/>
-                  <a:buFontTx/>
-                  <a:buNone/>
-                  <a:tabLst/>
-                  <a:defRPr sz="1330" b="0" i="0" u="none" strike="noStrike" kern="1200" baseline="0">
-                    <a:solidFill>
-                      <a:srgbClr val="004266">
-                        <a:lumMod val="65000"/>
-                        <a:lumOff val="35000"/>
-                      </a:srgbClr>
-                    </a:solidFill>
-                    <a:latin typeface="+mn-lt"/>
-                    <a:ea typeface="+mn-ea"/>
-                    <a:cs typeface="+mn-cs"/>
-                  </a:defRPr>
-                </a:pPr>
-                <a:r>
-                  <a:rPr lang="en-US" sz="1330" b="0" i="0" kern="1200" baseline="0" dirty="0" smtClean="0">
-                    <a:solidFill>
-                      <a:srgbClr val="0070C0"/>
-                    </a:solidFill>
-                    <a:effectLst/>
-                  </a:rPr>
-                  <a:t>Year since first publication</a:t>
-                </a:r>
-                <a:endParaRPr lang="en-US" dirty="0">
-                  <a:solidFill>
-                    <a:srgbClr val="0070C0"/>
-                  </a:solidFill>
-                  <a:effectLst/>
-                </a:endParaRPr>
-              </a:p>
-            </c:rich>
-          </c:tx>
-          <c:layout/>
-          <c:overlay val="0"/>
-          <c:spPr>
-            <a:noFill/>
-            <a:ln>
-              <a:noFill/>
-            </a:ln>
-            <a:effectLst/>
-          </c:spPr>
-          <c:txPr>
-            <a:bodyPr rot="0" spcFirstLastPara="1" vertOverflow="ellipsis" vert="horz" wrap="square" anchor="ctr" anchorCtr="1"/>
-            <a:lstStyle/>
-            <a:p>
-              <a:pPr marL="0" marR="0" indent="0" algn="ctr" defTabSz="914400" rtl="0" eaLnBrk="1" fontAlgn="auto" latinLnBrk="0" hangingPunct="1">
-                <a:lnSpc>
-                  <a:spcPct val="100000"/>
-                </a:lnSpc>
-                <a:spcBef>
-                  <a:spcPts val="0"/>
-                </a:spcBef>
-                <a:spcAft>
-                  <a:spcPts val="0"/>
-                </a:spcAft>
-                <a:buClrTx/>
-                <a:buSzTx/>
-                <a:buFontTx/>
-                <a:buNone/>
-                <a:tabLst/>
-                <a:defRPr sz="1330" b="0" i="0" u="none" strike="noStrike" kern="1200" baseline="0">
-                  <a:solidFill>
-                    <a:srgbClr val="004266">
-                      <a:lumMod val="65000"/>
-                      <a:lumOff val="35000"/>
-                    </a:srgbClr>
-                  </a:solidFill>
-                  <a:latin typeface="+mn-lt"/>
-                  <a:ea typeface="+mn-ea"/>
-                  <a:cs typeface="+mn-cs"/>
-                </a:defRPr>
-              </a:pPr>
-              <a:endParaRPr lang="en-US"/>
-            </a:p>
-          </c:txPr>
-        </c:title>
-        <c:numFmt formatCode="General" sourceLinked="1"/>
-        <c:majorTickMark val="none"/>
-        <c:minorTickMark val="none"/>
-        <c:tickLblPos val="nextTo"/>
-        <c:spPr>
-          <a:noFill/>
-          <a:ln w="9525" cap="flat" cmpd="sng" algn="ctr">
-            <a:solidFill>
-              <a:schemeClr val="tx1">
-                <a:lumMod val="15000"/>
-                <a:lumOff val="85000"/>
-              </a:schemeClr>
-            </a:solidFill>
-            <a:round/>
-          </a:ln>
-          <a:effectLst/>
-        </c:spPr>
-        <c:txPr>
-          <a:bodyPr rot="-60000000" spcFirstLastPara="1" vertOverflow="ellipsis" vert="horz" wrap="square" anchor="ctr" anchorCtr="1"/>
-          <a:lstStyle/>
-          <a:p>
-            <a:pPr>
-              <a:defRPr sz="1197" b="0" i="0" u="none" strike="noStrike" kern="1200" baseline="0">
-                <a:solidFill>
-                  <a:schemeClr val="tx1">
-                    <a:lumMod val="65000"/>
-                    <a:lumOff val="35000"/>
-                  </a:schemeClr>
-                </a:solidFill>
-                <a:latin typeface="+mn-lt"/>
-                <a:ea typeface="+mn-ea"/>
-                <a:cs typeface="+mn-cs"/>
-              </a:defRPr>
-            </a:pPr>
-            <a:endParaRPr lang="en-US"/>
-          </a:p>
-        </c:txPr>
-        <c:crossAx val="2102823472"/>
-        <c:crosses val="autoZero"/>
-        <c:auto val="1"/>
-        <c:lblAlgn val="ctr"/>
-        <c:lblOffset val="100"/>
-        <c:noMultiLvlLbl val="0"/>
-      </c:catAx>
-      <c:valAx>
-        <c:axId val="2102823472"/>
-        <c:scaling>
-          <c:orientation val="minMax"/>
-        </c:scaling>
-        <c:delete val="0"/>
-        <c:axPos val="l"/>
-        <c:majorGridlines>
-          <c:spPr>
-            <a:ln w="9525" cap="flat" cmpd="sng" algn="ctr">
-              <a:solidFill>
-                <a:schemeClr val="tx1">
-                  <a:lumMod val="15000"/>
-                  <a:lumOff val="85000"/>
-                </a:schemeClr>
-              </a:solidFill>
-              <a:round/>
-            </a:ln>
-            <a:effectLst/>
-          </c:spPr>
-        </c:majorGridlines>
-        <c:majorTickMark val="none"/>
-        <c:minorTickMark val="none"/>
-        <c:tickLblPos val="nextTo"/>
-        <c:spPr>
-          <a:noFill/>
-          <a:ln>
-            <a:noFill/>
-          </a:ln>
-          <a:effectLst/>
-        </c:spPr>
-        <c:txPr>
-          <a:bodyPr rot="-60000000" spcFirstLastPara="1" vertOverflow="ellipsis" vert="horz" wrap="square" anchor="ctr" anchorCtr="1"/>
-          <a:lstStyle/>
-          <a:p>
-            <a:pPr>
-              <a:defRPr sz="1197" b="0" i="0" u="none" strike="noStrike" kern="1200" baseline="0">
-                <a:solidFill>
-                  <a:schemeClr val="tx1">
-                    <a:lumMod val="65000"/>
-                    <a:lumOff val="35000"/>
-                  </a:schemeClr>
-                </a:solidFill>
-                <a:latin typeface="+mn-lt"/>
-                <a:ea typeface="+mn-ea"/>
-                <a:cs typeface="+mn-cs"/>
-              </a:defRPr>
-            </a:pPr>
-            <a:endParaRPr lang="en-US"/>
-          </a:p>
-        </c:txPr>
-        <c:crossAx val="2102819200"/>
+        <c:crossAx val="2112406800"/>
         <c:crosses val="autoZero"/>
         <c:crossBetween val="between"/>
       </c:valAx>
@@ -2480,12 +1659,6 @@
 </file>
 
 <file path=ppt/charts/colors2.xml><?xml version="1.0" encoding="utf-8"?>
-<cs:colorStyle xmlns:cs="http://schemas.microsoft.com/office/drawing/2012/chartStyle" xmlns:a="http://schemas.openxmlformats.org/drawingml/2006/main" meth="withinLinearReversed" id="24">
-  <a:schemeClr val="accent4"/>
-</cs:colorStyle>
-</file>
-
-<file path=ppt/charts/colors3.xml><?xml version="1.0" encoding="utf-8"?>
 <cs:colorStyle xmlns:cs="http://schemas.microsoft.com/office/drawing/2012/chartStyle" xmlns:a="http://schemas.openxmlformats.org/drawingml/2006/main" meth="withinLinearReversed" id="24">
   <a:schemeClr val="accent4"/>
 </cs:colorStyle>
@@ -3497,509 +2670,6 @@
 </cs:chartStyle>
 </file>
 
-<file path=ppt/charts/style3.xml><?xml version="1.0" encoding="utf-8"?>
-<cs:chartStyle xmlns:cs="http://schemas.microsoft.com/office/drawing/2012/chartStyle" xmlns:a="http://schemas.openxmlformats.org/drawingml/2006/main" id="332">
-  <cs:axisTitle>
-    <cs:lnRef idx="0"/>
-    <cs:fillRef idx="0"/>
-    <cs:effectRef idx="0"/>
-    <cs:fontRef idx="minor">
-      <a:schemeClr val="tx1">
-        <a:lumMod val="65000"/>
-        <a:lumOff val="35000"/>
-      </a:schemeClr>
-    </cs:fontRef>
-    <cs:defRPr sz="1330" kern="1200"/>
-  </cs:axisTitle>
-  <cs:categoryAxis>
-    <cs:lnRef idx="0"/>
-    <cs:fillRef idx="0"/>
-    <cs:effectRef idx="0"/>
-    <cs:fontRef idx="minor">
-      <a:schemeClr val="tx1">
-        <a:lumMod val="65000"/>
-        <a:lumOff val="35000"/>
-      </a:schemeClr>
-    </cs:fontRef>
-    <cs:spPr>
-      <a:ln w="9525" cap="flat" cmpd="sng" algn="ctr">
-        <a:solidFill>
-          <a:schemeClr val="tx1">
-            <a:lumMod val="15000"/>
-            <a:lumOff val="85000"/>
-          </a:schemeClr>
-        </a:solidFill>
-        <a:round/>
-      </a:ln>
-    </cs:spPr>
-    <cs:defRPr sz="1197" kern="1200"/>
-  </cs:categoryAxis>
-  <cs:chartArea mods="allowNoFillOverride allowNoLineOverride">
-    <cs:lnRef idx="0"/>
-    <cs:fillRef idx="0"/>
-    <cs:effectRef idx="0"/>
-    <cs:fontRef idx="minor">
-      <a:schemeClr val="tx1"/>
-    </cs:fontRef>
-    <cs:spPr>
-      <a:solidFill>
-        <a:schemeClr val="bg1"/>
-      </a:solidFill>
-      <a:ln w="9525" cap="flat" cmpd="sng" algn="ctr">
-        <a:solidFill>
-          <a:schemeClr val="tx1">
-            <a:lumMod val="15000"/>
-            <a:lumOff val="85000"/>
-          </a:schemeClr>
-        </a:solidFill>
-        <a:round/>
-      </a:ln>
-    </cs:spPr>
-    <cs:defRPr sz="1330" kern="1200"/>
-  </cs:chartArea>
-  <cs:dataLabel>
-    <cs:lnRef idx="0"/>
-    <cs:fillRef idx="0"/>
-    <cs:effectRef idx="0"/>
-    <cs:fontRef idx="minor">
-      <a:schemeClr val="tx1">
-        <a:lumMod val="75000"/>
-        <a:lumOff val="25000"/>
-      </a:schemeClr>
-    </cs:fontRef>
-    <cs:defRPr sz="1197" kern="1200"/>
-  </cs:dataLabel>
-  <cs:dataLabelCallout>
-    <cs:lnRef idx="0"/>
-    <cs:fillRef idx="0"/>
-    <cs:effectRef idx="0"/>
-    <cs:fontRef idx="minor">
-      <a:schemeClr val="dk1">
-        <a:lumMod val="65000"/>
-        <a:lumOff val="35000"/>
-      </a:schemeClr>
-    </cs:fontRef>
-    <cs:spPr>
-      <a:solidFill>
-        <a:schemeClr val="lt1"/>
-      </a:solidFill>
-      <a:ln>
-        <a:solidFill>
-          <a:schemeClr val="dk1">
-            <a:lumMod val="25000"/>
-            <a:lumOff val="75000"/>
-          </a:schemeClr>
-        </a:solidFill>
-      </a:ln>
-    </cs:spPr>
-    <cs:defRPr sz="1197" kern="1200"/>
-    <cs:bodyPr rot="0" spcFirstLastPara="1" vertOverflow="clip" horzOverflow="clip" vert="horz" wrap="square" lIns="36576" tIns="18288" rIns="36576" bIns="18288" anchor="ctr" anchorCtr="1">
-      <a:spAutoFit/>
-    </cs:bodyPr>
-  </cs:dataLabelCallout>
-  <cs:dataPoint>
-    <cs:lnRef idx="0"/>
-    <cs:fillRef idx="1">
-      <cs:styleClr val="auto"/>
-    </cs:fillRef>
-    <cs:effectRef idx="0"/>
-    <cs:fontRef idx="minor">
-      <a:schemeClr val="tx1"/>
-    </cs:fontRef>
-  </cs:dataPoint>
-  <cs:dataPoint3D>
-    <cs:lnRef idx="0"/>
-    <cs:fillRef idx="1">
-      <cs:styleClr val="auto"/>
-    </cs:fillRef>
-    <cs:effectRef idx="0"/>
-    <cs:fontRef idx="minor">
-      <a:schemeClr val="tx1"/>
-    </cs:fontRef>
-  </cs:dataPoint3D>
-  <cs:dataPointLine>
-    <cs:lnRef idx="0">
-      <cs:styleClr val="auto"/>
-    </cs:lnRef>
-    <cs:fillRef idx="1"/>
-    <cs:effectRef idx="0"/>
-    <cs:fontRef idx="minor">
-      <a:schemeClr val="tx1"/>
-    </cs:fontRef>
-    <cs:spPr>
-      <a:ln w="28575" cap="rnd">
-        <a:solidFill>
-          <a:schemeClr val="phClr"/>
-        </a:solidFill>
-        <a:round/>
-      </a:ln>
-    </cs:spPr>
-  </cs:dataPointLine>
-  <cs:dataPointMarker>
-    <cs:lnRef idx="0">
-      <cs:styleClr val="auto"/>
-    </cs:lnRef>
-    <cs:fillRef idx="1">
-      <cs:styleClr val="auto"/>
-    </cs:fillRef>
-    <cs:effectRef idx="0"/>
-    <cs:fontRef idx="minor">
-      <a:schemeClr val="tx1"/>
-    </cs:fontRef>
-    <cs:spPr>
-      <a:ln w="9525">
-        <a:solidFill>
-          <a:schemeClr val="phClr"/>
-        </a:solidFill>
-      </a:ln>
-    </cs:spPr>
-  </cs:dataPointMarker>
-  <cs:dataPointMarkerLayout symbol="circle" size="5"/>
-  <cs:dataPointWireframe>
-    <cs:lnRef idx="0">
-      <cs:styleClr val="auto"/>
-    </cs:lnRef>
-    <cs:fillRef idx="1"/>
-    <cs:effectRef idx="0"/>
-    <cs:fontRef idx="minor">
-      <a:schemeClr val="tx1"/>
-    </cs:fontRef>
-    <cs:spPr>
-      <a:ln w="9525" cap="rnd">
-        <a:solidFill>
-          <a:schemeClr val="phClr"/>
-        </a:solidFill>
-        <a:round/>
-      </a:ln>
-    </cs:spPr>
-  </cs:dataPointWireframe>
-  <cs:dataTable>
-    <cs:lnRef idx="0"/>
-    <cs:fillRef idx="0"/>
-    <cs:effectRef idx="0"/>
-    <cs:fontRef idx="minor">
-      <a:schemeClr val="tx1">
-        <a:lumMod val="65000"/>
-        <a:lumOff val="35000"/>
-      </a:schemeClr>
-    </cs:fontRef>
-    <cs:spPr>
-      <a:noFill/>
-      <a:ln w="9525" cap="flat" cmpd="sng" algn="ctr">
-        <a:solidFill>
-          <a:schemeClr val="tx1">
-            <a:lumMod val="15000"/>
-            <a:lumOff val="85000"/>
-          </a:schemeClr>
-        </a:solidFill>
-        <a:round/>
-      </a:ln>
-    </cs:spPr>
-    <cs:defRPr sz="1197" kern="1200"/>
-  </cs:dataTable>
-  <cs:downBar>
-    <cs:lnRef idx="0"/>
-    <cs:fillRef idx="0"/>
-    <cs:effectRef idx="0"/>
-    <cs:fontRef idx="minor">
-      <a:schemeClr val="dk1"/>
-    </cs:fontRef>
-    <cs:spPr>
-      <a:solidFill>
-        <a:schemeClr val="dk1">
-          <a:lumMod val="65000"/>
-          <a:lumOff val="35000"/>
-        </a:schemeClr>
-      </a:solidFill>
-      <a:ln w="9525">
-        <a:solidFill>
-          <a:schemeClr val="tx1">
-            <a:lumMod val="65000"/>
-            <a:lumOff val="35000"/>
-          </a:schemeClr>
-        </a:solidFill>
-      </a:ln>
-    </cs:spPr>
-  </cs:downBar>
-  <cs:dropLine>
-    <cs:lnRef idx="0"/>
-    <cs:fillRef idx="0"/>
-    <cs:effectRef idx="0"/>
-    <cs:fontRef idx="minor">
-      <a:schemeClr val="tx1"/>
-    </cs:fontRef>
-    <cs:spPr>
-      <a:ln w="9525" cap="flat" cmpd="sng" algn="ctr">
-        <a:solidFill>
-          <a:schemeClr val="tx1">
-            <a:lumMod val="35000"/>
-            <a:lumOff val="65000"/>
-          </a:schemeClr>
-        </a:solidFill>
-        <a:round/>
-      </a:ln>
-    </cs:spPr>
-  </cs:dropLine>
-  <cs:errorBar>
-    <cs:lnRef idx="0"/>
-    <cs:fillRef idx="0"/>
-    <cs:effectRef idx="0"/>
-    <cs:fontRef idx="minor">
-      <a:schemeClr val="tx1"/>
-    </cs:fontRef>
-    <cs:spPr>
-      <a:ln w="9525" cap="flat" cmpd="sng" algn="ctr">
-        <a:solidFill>
-          <a:schemeClr val="tx1">
-            <a:lumMod val="65000"/>
-            <a:lumOff val="35000"/>
-          </a:schemeClr>
-        </a:solidFill>
-        <a:round/>
-      </a:ln>
-    </cs:spPr>
-  </cs:errorBar>
-  <cs:floor>
-    <cs:lnRef idx="0"/>
-    <cs:fillRef idx="0"/>
-    <cs:effectRef idx="0"/>
-    <cs:fontRef idx="minor">
-      <a:schemeClr val="tx1"/>
-    </cs:fontRef>
-    <cs:spPr>
-      <a:noFill/>
-      <a:ln>
-        <a:noFill/>
-      </a:ln>
-    </cs:spPr>
-  </cs:floor>
-  <cs:gridlineMajor>
-    <cs:lnRef idx="0"/>
-    <cs:fillRef idx="0"/>
-    <cs:effectRef idx="0"/>
-    <cs:fontRef idx="minor">
-      <a:schemeClr val="tx1"/>
-    </cs:fontRef>
-    <cs:spPr>
-      <a:ln w="9525" cap="flat" cmpd="sng" algn="ctr">
-        <a:solidFill>
-          <a:schemeClr val="tx1">
-            <a:lumMod val="15000"/>
-            <a:lumOff val="85000"/>
-          </a:schemeClr>
-        </a:solidFill>
-        <a:round/>
-      </a:ln>
-    </cs:spPr>
-  </cs:gridlineMajor>
-  <cs:gridlineMinor>
-    <cs:lnRef idx="0"/>
-    <cs:fillRef idx="0"/>
-    <cs:effectRef idx="0"/>
-    <cs:fontRef idx="minor">
-      <a:schemeClr val="tx1"/>
-    </cs:fontRef>
-    <cs:spPr>
-      <a:ln w="9525" cap="flat" cmpd="sng" algn="ctr">
-        <a:solidFill>
-          <a:schemeClr val="tx1">
-            <a:lumMod val="5000"/>
-            <a:lumOff val="95000"/>
-          </a:schemeClr>
-        </a:solidFill>
-        <a:round/>
-      </a:ln>
-    </cs:spPr>
-  </cs:gridlineMinor>
-  <cs:hiLoLine>
-    <cs:lnRef idx="0"/>
-    <cs:fillRef idx="0"/>
-    <cs:effectRef idx="0"/>
-    <cs:fontRef idx="minor">
-      <a:schemeClr val="tx1"/>
-    </cs:fontRef>
-    <cs:spPr>
-      <a:ln w="9525" cap="flat" cmpd="sng" algn="ctr">
-        <a:solidFill>
-          <a:schemeClr val="tx1">
-            <a:lumMod val="75000"/>
-            <a:lumOff val="25000"/>
-          </a:schemeClr>
-        </a:solidFill>
-        <a:round/>
-      </a:ln>
-    </cs:spPr>
-  </cs:hiLoLine>
-  <cs:leaderLine>
-    <cs:lnRef idx="0"/>
-    <cs:fillRef idx="0"/>
-    <cs:effectRef idx="0"/>
-    <cs:fontRef idx="minor">
-      <a:schemeClr val="tx1"/>
-    </cs:fontRef>
-    <cs:spPr>
-      <a:ln w="9525" cap="flat" cmpd="sng" algn="ctr">
-        <a:solidFill>
-          <a:schemeClr val="tx1">
-            <a:lumMod val="35000"/>
-            <a:lumOff val="65000"/>
-          </a:schemeClr>
-        </a:solidFill>
-        <a:round/>
-      </a:ln>
-    </cs:spPr>
-  </cs:leaderLine>
-  <cs:legend>
-    <cs:lnRef idx="0"/>
-    <cs:fillRef idx="0"/>
-    <cs:effectRef idx="0"/>
-    <cs:fontRef idx="minor">
-      <a:schemeClr val="tx1">
-        <a:lumMod val="65000"/>
-        <a:lumOff val="35000"/>
-      </a:schemeClr>
-    </cs:fontRef>
-    <cs:defRPr sz="1197" kern="1200"/>
-  </cs:legend>
-  <cs:plotArea mods="allowNoFillOverride allowNoLineOverride">
-    <cs:lnRef idx="0"/>
-    <cs:fillRef idx="0"/>
-    <cs:effectRef idx="0"/>
-    <cs:fontRef idx="minor">
-      <a:schemeClr val="tx1"/>
-    </cs:fontRef>
-  </cs:plotArea>
-  <cs:plotArea3D mods="allowNoFillOverride allowNoLineOverride">
-    <cs:lnRef idx="0"/>
-    <cs:fillRef idx="0"/>
-    <cs:effectRef idx="0"/>
-    <cs:fontRef idx="minor">
-      <a:schemeClr val="tx1"/>
-    </cs:fontRef>
-  </cs:plotArea3D>
-  <cs:seriesAxis>
-    <cs:lnRef idx="0"/>
-    <cs:fillRef idx="0"/>
-    <cs:effectRef idx="0"/>
-    <cs:fontRef idx="minor">
-      <a:schemeClr val="tx1">
-        <a:lumMod val="65000"/>
-        <a:lumOff val="35000"/>
-      </a:schemeClr>
-    </cs:fontRef>
-    <cs:defRPr sz="1197" kern="1200"/>
-  </cs:seriesAxis>
-  <cs:seriesLine>
-    <cs:lnRef idx="0"/>
-    <cs:fillRef idx="0"/>
-    <cs:effectRef idx="0"/>
-    <cs:fontRef idx="minor">
-      <a:schemeClr val="tx1"/>
-    </cs:fontRef>
-    <cs:spPr>
-      <a:ln w="9525" cap="flat" cmpd="sng" algn="ctr">
-        <a:solidFill>
-          <a:schemeClr val="tx1">
-            <a:lumMod val="35000"/>
-            <a:lumOff val="65000"/>
-          </a:schemeClr>
-        </a:solidFill>
-        <a:round/>
-      </a:ln>
-    </cs:spPr>
-  </cs:seriesLine>
-  <cs:title>
-    <cs:lnRef idx="0"/>
-    <cs:fillRef idx="0"/>
-    <cs:effectRef idx="0"/>
-    <cs:fontRef idx="minor">
-      <a:schemeClr val="tx1">
-        <a:lumMod val="65000"/>
-        <a:lumOff val="35000"/>
-      </a:schemeClr>
-    </cs:fontRef>
-    <cs:defRPr sz="1862" b="0" kern="1200" spc="0" baseline="0"/>
-  </cs:title>
-  <cs:trendline>
-    <cs:lnRef idx="0">
-      <cs:styleClr val="auto"/>
-    </cs:lnRef>
-    <cs:fillRef idx="0"/>
-    <cs:effectRef idx="0"/>
-    <cs:fontRef idx="minor">
-      <a:schemeClr val="tx1"/>
-    </cs:fontRef>
-    <cs:spPr>
-      <a:ln w="19050" cap="rnd">
-        <a:solidFill>
-          <a:schemeClr val="phClr"/>
-        </a:solidFill>
-        <a:prstDash val="sysDot"/>
-      </a:ln>
-    </cs:spPr>
-  </cs:trendline>
-  <cs:trendlineLabel>
-    <cs:lnRef idx="0"/>
-    <cs:fillRef idx="0"/>
-    <cs:effectRef idx="0"/>
-    <cs:fontRef idx="minor">
-      <a:schemeClr val="tx1">
-        <a:lumMod val="65000"/>
-        <a:lumOff val="35000"/>
-      </a:schemeClr>
-    </cs:fontRef>
-    <cs:defRPr sz="1197" kern="1200"/>
-  </cs:trendlineLabel>
-  <cs:upBar>
-    <cs:lnRef idx="0"/>
-    <cs:fillRef idx="0"/>
-    <cs:effectRef idx="0"/>
-    <cs:fontRef idx="minor">
-      <a:schemeClr val="dk1"/>
-    </cs:fontRef>
-    <cs:spPr>
-      <a:solidFill>
-        <a:schemeClr val="lt1"/>
-      </a:solidFill>
-      <a:ln w="9525">
-        <a:solidFill>
-          <a:schemeClr val="tx1">
-            <a:lumMod val="15000"/>
-            <a:lumOff val="85000"/>
-          </a:schemeClr>
-        </a:solidFill>
-      </a:ln>
-    </cs:spPr>
-  </cs:upBar>
-  <cs:valueAxis>
-    <cs:lnRef idx="0"/>
-    <cs:fillRef idx="0"/>
-    <cs:effectRef idx="0"/>
-    <cs:fontRef idx="minor">
-      <a:schemeClr val="tx1">
-        <a:lumMod val="65000"/>
-        <a:lumOff val="35000"/>
-      </a:schemeClr>
-    </cs:fontRef>
-    <cs:defRPr sz="1197" kern="1200"/>
-  </cs:valueAxis>
-  <cs:wall>
-    <cs:lnRef idx="0"/>
-    <cs:fillRef idx="0"/>
-    <cs:effectRef idx="0"/>
-    <cs:fontRef idx="minor">
-      <a:schemeClr val="tx1"/>
-    </cs:fontRef>
-    <cs:spPr>
-      <a:noFill/>
-      <a:ln>
-        <a:noFill/>
-      </a:ln>
-    </cs:spPr>
-  </cs:wall>
-</cs:chartStyle>
-</file>
-
 <file path=ppt/handoutMasters/handoutMaster1.xml><?xml version="1.0" encoding="utf-8"?>
 <p:handoutMaster xmlns:a="http://schemas.openxmlformats.org/drawingml/2006/main" xmlns:r="http://schemas.openxmlformats.org/officeDocument/2006/relationships" xmlns:p="http://schemas.openxmlformats.org/presentationml/2006/main">
   <p:cSld>
@@ -6818,6 +5488,13 @@
   <p:clrMapOvr>
     <a:masterClrMapping/>
   </p:clrMapOvr>
+  <p:timing>
+    <p:tnLst>
+      <p:par>
+        <p:cTn id="1" dur="indefinite" restart="never" nodeType="tmRoot"/>
+      </p:par>
+    </p:tnLst>
+  </p:timing>
 </p:sld>
 </file>
 
@@ -6923,6 +5600,13 @@
   <p:clrMapOvr>
     <a:masterClrMapping/>
   </p:clrMapOvr>
+  <p:timing>
+    <p:tnLst>
+      <p:par>
+        <p:cTn id="1" dur="indefinite" restart="never" nodeType="tmRoot"/>
+      </p:par>
+    </p:tnLst>
+  </p:timing>
 </p:sld>
 </file>
 
@@ -7017,14 +5701,7 @@
             <a:endParaRPr lang="en-US" dirty="0" smtClean="0"/>
           </a:p>
           <a:p>
-            <a:r>
-              <a:rPr lang="en-US" dirty="0" smtClean="0"/>
-              <a:t>Objective: identify </a:t>
-            </a:r>
-            <a:r>
-              <a:rPr lang="en-US" dirty="0" smtClean="0"/>
-              <a:t>Rising Stars from the group of 608 non-KOL oncologists</a:t>
-            </a:r>
+            <a:endParaRPr lang="en-US" dirty="0" smtClean="0"/>
           </a:p>
           <a:p>
             <a:pPr lvl="1"/>
@@ -7045,6 +5722,13 @@
   <p:clrMapOvr>
     <a:masterClrMapping/>
   </p:clrMapOvr>
+  <p:timing>
+    <p:tnLst>
+      <p:par>
+        <p:cTn id="1" dur="indefinite" restart="never" nodeType="tmRoot"/>
+      </p:par>
+    </p:tnLst>
+  </p:timing>
 </p:sld>
 </file>
 
@@ -7110,14 +5794,67 @@
           <a:p>
             <a:r>
               <a:rPr lang="en-US" dirty="0" smtClean="0"/>
-              <a:t>Variable:</a:t>
-            </a:r>
+              <a:t>Variable</a:t>
+            </a:r>
+            <a:r>
+              <a:rPr lang="en-US" altLang="zh-CN" dirty="0" smtClean="0"/>
+              <a:t>s</a:t>
+            </a:r>
+            <a:r>
+              <a:rPr lang="en-US" dirty="0" smtClean="0"/>
+              <a:t>:</a:t>
+            </a:r>
+            <a:endParaRPr lang="en-US" dirty="0" smtClean="0"/>
           </a:p>
           <a:p>
             <a:pPr lvl="1"/>
             <a:r>
               <a:rPr lang="en-US" dirty="0" smtClean="0"/>
-              <a:t>Publication record: 1</a:t>
+              <a:t>Publication record: </a:t>
+            </a:r>
+            <a:r>
+              <a:rPr lang="en-US" altLang="zh-CN" dirty="0" smtClean="0"/>
+              <a:t>cumulative</a:t>
+            </a:r>
+            <a:r>
+              <a:rPr lang="zh-CN" altLang="en-US" dirty="0" smtClean="0"/>
+              <a:t> </a:t>
+            </a:r>
+            <a:r>
+              <a:rPr lang="en-US" altLang="zh-CN" dirty="0" smtClean="0"/>
+              <a:t>number</a:t>
+            </a:r>
+            <a:r>
+              <a:rPr lang="zh-CN" altLang="en-US" dirty="0" smtClean="0"/>
+              <a:t> </a:t>
+            </a:r>
+            <a:r>
+              <a:rPr lang="en-US" altLang="zh-CN" dirty="0" smtClean="0"/>
+              <a:t>of</a:t>
+            </a:r>
+            <a:r>
+              <a:rPr lang="zh-CN" altLang="en-US" dirty="0" smtClean="0"/>
+              <a:t> </a:t>
+            </a:r>
+            <a:r>
+              <a:rPr lang="en-US" altLang="zh-CN" dirty="0" smtClean="0"/>
+              <a:t>publication</a:t>
+            </a:r>
+            <a:r>
+              <a:rPr lang="zh-CN" altLang="en-US" dirty="0" smtClean="0"/>
+              <a:t> </a:t>
+            </a:r>
+            <a:r>
+              <a:rPr lang="en-US" altLang="zh-CN" dirty="0" smtClean="0"/>
+              <a:t>from</a:t>
+            </a:r>
+            <a:r>
+              <a:rPr lang="zh-CN" altLang="en-US" dirty="0" smtClean="0"/>
+              <a:t> </a:t>
+            </a:r>
+            <a:r>
+              <a:rPr lang="en-US" dirty="0" smtClean="0"/>
+              <a:t>1</a:t>
             </a:r>
             <a:r>
               <a:rPr lang="en-US" baseline="30000" dirty="0" smtClean="0"/>
@@ -7125,7 +5862,11 @@
             </a:r>
             <a:r>
               <a:rPr lang="en-US" dirty="0" smtClean="0"/>
-              <a:t> to 15</a:t>
+              <a:t> </a:t>
+            </a:r>
+            <a:r>
+              <a:rPr lang="en-US" dirty="0" smtClean="0"/>
+              <a:t>to 15</a:t>
             </a:r>
             <a:r>
               <a:rPr lang="en-US" baseline="30000" dirty="0" smtClean="0"/>
@@ -7133,15 +5874,7 @@
             </a:r>
             <a:r>
               <a:rPr lang="en-US" dirty="0" smtClean="0"/>
-              <a:t> </a:t>
-            </a:r>
-            <a:r>
-              <a:rPr lang="en-US" dirty="0" smtClean="0"/>
-              <a:t>year since </a:t>
-            </a:r>
-            <a:r>
-              <a:rPr lang="en-US" dirty="0" smtClean="0"/>
-              <a:t>the year of first publication</a:t>
+              <a:t> year since the year of first publication</a:t>
             </a:r>
           </a:p>
           <a:p>
@@ -7150,6 +5883,26 @@
               <a:rPr lang="en-US" dirty="0" smtClean="0"/>
               <a:t>Education profile: </a:t>
             </a:r>
+            <a:r>
+              <a:rPr lang="en-US" altLang="zh-CN" dirty="0" smtClean="0"/>
+              <a:t>help</a:t>
+            </a:r>
+            <a:r>
+              <a:rPr lang="zh-CN" altLang="en-US" dirty="0" smtClean="0"/>
+              <a:t> </a:t>
+            </a:r>
+            <a:r>
+              <a:rPr lang="en-US" altLang="zh-CN" dirty="0" smtClean="0"/>
+              <a:t>estimate</a:t>
+            </a:r>
+            <a:r>
+              <a:rPr lang="zh-CN" altLang="en-US" dirty="0" smtClean="0"/>
+              <a:t> </a:t>
+            </a:r>
+            <a:r>
+              <a:rPr lang="en-US" altLang="zh-CN" dirty="0" smtClean="0"/>
+              <a:t>age</a:t>
+            </a:r>
             <a:endParaRPr lang="en-US" dirty="0" smtClean="0"/>
           </a:p>
           <a:p>
@@ -7165,7 +5918,7 @@
             <a:pPr lvl="1"/>
             <a:r>
               <a:rPr lang="en-US" altLang="zh-CN" dirty="0" smtClean="0"/>
-              <a:t>Total</a:t>
+              <a:t>Average</a:t>
             </a:r>
             <a:r>
               <a:rPr lang="zh-CN" altLang="en-US" dirty="0" smtClean="0"/>
@@ -7173,7 +5926,7 @@
             </a:r>
             <a:r>
               <a:rPr lang="en-US" altLang="zh-CN" dirty="0" smtClean="0"/>
-              <a:t>number</a:t>
+              <a:t>cumulative</a:t>
             </a:r>
             <a:r>
               <a:rPr lang="zh-CN" altLang="en-US" dirty="0" smtClean="0"/>
@@ -7181,7 +5934,7 @@
             </a:r>
             <a:r>
               <a:rPr lang="en-US" altLang="zh-CN" dirty="0" smtClean="0"/>
-              <a:t>of</a:t>
+              <a:t>number</a:t>
             </a:r>
             <a:r>
               <a:rPr lang="zh-CN" altLang="en-US" dirty="0" smtClean="0"/>
@@ -7189,7 +5942,7 @@
             </a:r>
             <a:r>
               <a:rPr lang="en-US" altLang="zh-CN" dirty="0" smtClean="0"/>
-              <a:t>publications</a:t>
+              <a:t>of</a:t>
             </a:r>
             <a:r>
               <a:rPr lang="zh-CN" altLang="en-US" dirty="0" smtClean="0"/>
@@ -7197,7 +5950,7 @@
             </a:r>
             <a:r>
               <a:rPr lang="en-US" altLang="zh-CN" dirty="0" smtClean="0"/>
-              <a:t>of</a:t>
+              <a:t>publications</a:t>
             </a:r>
             <a:r>
               <a:rPr lang="zh-CN" altLang="en-US" dirty="0" smtClean="0"/>
@@ -7205,7 +5958,7 @@
             </a:r>
             <a:r>
               <a:rPr lang="en-US" altLang="zh-CN" dirty="0" smtClean="0"/>
-              <a:t>the</a:t>
+              <a:t>of</a:t>
             </a:r>
             <a:r>
               <a:rPr lang="zh-CN" altLang="en-US" dirty="0" smtClean="0"/>
@@ -7213,19 +5966,19 @@
             </a:r>
             <a:r>
               <a:rPr lang="en-US" altLang="zh-CN" dirty="0" smtClean="0"/>
+              <a:t>the</a:t>
+            </a:r>
+            <a:r>
+              <a:rPr lang="zh-CN" altLang="en-US" dirty="0" smtClean="0"/>
+              <a:t> </a:t>
+            </a:r>
+            <a:r>
+              <a:rPr lang="en-US" altLang="zh-CN" dirty="0" smtClean="0"/>
               <a:t>b</a:t>
             </a:r>
             <a:r>
               <a:rPr lang="en-US" dirty="0" smtClean="0"/>
-              <a:t>ottom </a:t>
-            </a:r>
-            <a:r>
-              <a:rPr lang="en-US" dirty="0" smtClean="0"/>
-              <a:t>30% </a:t>
-            </a:r>
-            <a:r>
-              <a:rPr lang="en-US" dirty="0" smtClean="0"/>
-              <a:t>KOL</a:t>
+              <a:t>ottom 30% KOL</a:t>
             </a:r>
             <a:r>
               <a:rPr lang="en-US" altLang="zh-CN" dirty="0" smtClean="0"/>
@@ -7233,39 +5986,6 @@
             </a:r>
           </a:p>
           <a:p>
-            <a:endParaRPr lang="en-US" dirty="0" smtClean="0"/>
-          </a:p>
-          <a:p>
-            <a:r>
-              <a:rPr lang="en-US" dirty="0" smtClean="0"/>
-              <a:t>Methodology</a:t>
-            </a:r>
-            <a:r>
-              <a:rPr lang="en-US" dirty="0" smtClean="0"/>
-              <a:t>:</a:t>
-            </a:r>
-          </a:p>
-          <a:p>
-            <a:pPr lvl="1"/>
-            <a:r>
-              <a:rPr lang="en-US" dirty="0" smtClean="0"/>
-              <a:t>Consistently publishes more than benchmark (bottom 30% KOL)</a:t>
-            </a:r>
-          </a:p>
-          <a:p>
-            <a:pPr lvl="1"/>
-            <a:r>
-              <a:rPr lang="en-US" dirty="0" smtClean="0"/>
-              <a:t>Younger than a age threshold (i.e. </a:t>
-            </a:r>
-            <a:r>
-              <a:rPr lang="en-US" altLang="zh-CN" dirty="0" smtClean="0"/>
-              <a:t>50</a:t>
-            </a:r>
-            <a:r>
-              <a:rPr lang="en-US" dirty="0" smtClean="0"/>
-              <a:t>)</a:t>
-            </a:r>
             <a:endParaRPr lang="en-US" dirty="0" smtClean="0"/>
           </a:p>
           <a:p>
@@ -7287,6 +6007,13 @@
   <p:clrMapOvr>
     <a:masterClrMapping/>
   </p:clrMapOvr>
+  <p:timing>
+    <p:tnLst>
+      <p:par>
+        <p:cTn id="1" dur="indefinite" restart="never" nodeType="tmRoot"/>
+      </p:par>
+    </p:tnLst>
+  </p:timing>
 </p:sld>
 </file>
 
@@ -7323,42 +6050,65 @@
           <a:lstStyle/>
           <a:p>
             <a:r>
-              <a:rPr lang="en-US" dirty="0" smtClean="0"/>
-              <a:t>Model Rerun: KOL and bottom 30% KOL</a:t>
-            </a:r>
-            <a:endParaRPr lang="en-US" dirty="0"/>
+              <a:rPr lang="en-US" dirty="0"/>
+              <a:t>Model Recap: Benchmarking Model</a:t>
+            </a:r>
           </a:p>
         </p:txBody>
       </p:sp>
-      <p:graphicFrame>
-        <p:nvGraphicFramePr>
-          <p:cNvPr id="4" name="Content Placeholder 3"/>
-          <p:cNvGraphicFramePr>
-            <a:graphicFrameLocks noGrp="1"/>
-          </p:cNvGraphicFramePr>
+      <p:sp>
+        <p:nvSpPr>
+          <p:cNvPr id="3" name="Content Placeholder 2"/>
+          <p:cNvSpPr>
+            <a:spLocks noGrp="1"/>
+          </p:cNvSpPr>
           <p:nvPr>
             <p:ph idx="12"/>
-            <p:extLst>
-              <p:ext uri="{D42A27DB-BD31-4B8C-83A1-F6EECF244321}">
-                <p14:modId xmlns:p14="http://schemas.microsoft.com/office/powerpoint/2010/main" val="1368091449"/>
-              </p:ext>
-            </p:extLst>
           </p:nvPr>
-        </p:nvGraphicFramePr>
-        <p:xfrm>
-          <a:off x="609600" y="1601788"/>
-          <a:ext cx="10972800" cy="4567237"/>
-        </p:xfrm>
-        <a:graphic>
-          <a:graphicData uri="http://schemas.openxmlformats.org/drawingml/2006/chart">
-            <c:chart xmlns:c="http://schemas.openxmlformats.org/drawingml/2006/chart" xmlns:r="http://schemas.openxmlformats.org/officeDocument/2006/relationships" r:id="rId2"/>
-          </a:graphicData>
-        </a:graphic>
-      </p:graphicFrame>
+        </p:nvSpPr>
+        <p:spPr/>
+        <p:txBody>
+          <a:bodyPr/>
+          <a:lstStyle/>
+          <a:p>
+            <a:r>
+              <a:rPr lang="en-US" dirty="0"/>
+              <a:t>Methodology:</a:t>
+            </a:r>
+          </a:p>
+          <a:p>
+            <a:pPr lvl="1"/>
+            <a:r>
+              <a:rPr lang="en-US" dirty="0"/>
+              <a:t>Consistently publishes more </a:t>
+            </a:r>
+            <a:r>
+              <a:rPr lang="en-US" dirty="0" smtClean="0"/>
+              <a:t>than benchmark</a:t>
+            </a:r>
+            <a:endParaRPr lang="en-US" dirty="0"/>
+          </a:p>
+          <a:p>
+            <a:pPr lvl="1"/>
+            <a:r>
+              <a:rPr lang="en-US" dirty="0"/>
+              <a:t>Younger than age threshold (i.e. </a:t>
+            </a:r>
+            <a:r>
+              <a:rPr lang="en-US" altLang="zh-CN" dirty="0"/>
+              <a:t>50</a:t>
+            </a:r>
+            <a:r>
+              <a:rPr lang="en-US" dirty="0"/>
+              <a:t>)</a:t>
+            </a:r>
+          </a:p>
+        </p:txBody>
+      </p:sp>
     </p:spTree>
     <p:extLst>
       <p:ext uri="{BB962C8B-B14F-4D97-AF65-F5344CB8AC3E}">
-        <p14:creationId xmlns:p14="http://schemas.microsoft.com/office/powerpoint/2010/main" val="44531095"/>
+        <p14:creationId xmlns:p14="http://schemas.microsoft.com/office/powerpoint/2010/main" val="2094334689"/>
       </p:ext>
     </p:extLst>
   </p:cSld>
@@ -7402,7 +6152,11 @@
           <a:p>
             <a:r>
               <a:rPr lang="en-US" dirty="0" smtClean="0"/>
-              <a:t>Results: Rising Stars</a:t>
+              <a:t>Model </a:t>
+            </a:r>
+            <a:r>
+              <a:rPr lang="en-US" dirty="0" smtClean="0"/>
+              <a:t>Rerun</a:t>
             </a:r>
             <a:endParaRPr lang="en-US" dirty="0"/>
           </a:p>
@@ -7418,7 +6172,7 @@
             <p:ph idx="12"/>
             <p:extLst>
               <p:ext uri="{D42A27DB-BD31-4B8C-83A1-F6EECF244321}">
-                <p14:modId xmlns:p14="http://schemas.microsoft.com/office/powerpoint/2010/main" val="1801974862"/>
+                <p14:modId xmlns:p14="http://schemas.microsoft.com/office/powerpoint/2010/main" val="1967400302"/>
               </p:ext>
             </p:extLst>
           </p:nvPr>
@@ -7436,13 +6190,20 @@
     </p:spTree>
     <p:extLst>
       <p:ext uri="{BB962C8B-B14F-4D97-AF65-F5344CB8AC3E}">
-        <p14:creationId xmlns:p14="http://schemas.microsoft.com/office/powerpoint/2010/main" val="1589712751"/>
+        <p14:creationId xmlns:p14="http://schemas.microsoft.com/office/powerpoint/2010/main" val="44531095"/>
       </p:ext>
     </p:extLst>
   </p:cSld>
   <p:clrMapOvr>
     <a:masterClrMapping/>
   </p:clrMapOvr>
+  <p:timing>
+    <p:tnLst>
+      <p:par>
+        <p:cTn id="1" dur="indefinite" restart="never" nodeType="tmRoot"/>
+      </p:par>
+    </p:tnLst>
+  </p:timing>
 </p:sld>
 </file>
 
@@ -7496,7 +6257,7 @@
             <p:ph idx="12"/>
             <p:extLst>
               <p:ext uri="{D42A27DB-BD31-4B8C-83A1-F6EECF244321}">
-                <p14:modId xmlns:p14="http://schemas.microsoft.com/office/powerpoint/2010/main" val="894542766"/>
+                <p14:modId xmlns:p14="http://schemas.microsoft.com/office/powerpoint/2010/main" val="1641848565"/>
               </p:ext>
             </p:extLst>
           </p:nvPr>
@@ -7514,7 +6275,7 @@
     </p:spTree>
     <p:extLst>
       <p:ext uri="{BB962C8B-B14F-4D97-AF65-F5344CB8AC3E}">
-        <p14:creationId xmlns:p14="http://schemas.microsoft.com/office/powerpoint/2010/main" val="1538901223"/>
+        <p14:creationId xmlns:p14="http://schemas.microsoft.com/office/powerpoint/2010/main" val="1589712751"/>
       </p:ext>
     </p:extLst>
   </p:cSld>
@@ -7581,15 +6342,7 @@
           <a:p>
             <a:r>
               <a:rPr lang="en-US" dirty="0" smtClean="0"/>
-              <a:t>48 </a:t>
-            </a:r>
-            <a:r>
-              <a:rPr lang="en-US" dirty="0" smtClean="0"/>
-              <a:t>confirmed Rising </a:t>
-            </a:r>
-            <a:r>
-              <a:rPr lang="en-US" dirty="0" smtClean="0"/>
-              <a:t>Stars</a:t>
+              <a:t>48 confirmed Rising Stars</a:t>
             </a:r>
             <a:r>
               <a:rPr lang="zh-CN" altLang="en-US" dirty="0" smtClean="0"/>
@@ -7605,11 +6358,7 @@
             </a:r>
             <a:r>
               <a:rPr lang="en-US" altLang="zh-CN" dirty="0" smtClean="0"/>
-              <a:t>50</a:t>
-            </a:r>
-            <a:r>
-              <a:rPr lang="en-US" altLang="zh-CN" dirty="0" smtClean="0"/>
-              <a:t>-year-old</a:t>
+              <a:t>50-year-old</a:t>
             </a:r>
             <a:r>
               <a:rPr lang="zh-CN" altLang="en-US" dirty="0" smtClean="0"/>
@@ -7738,11 +6487,7 @@
             </a:r>
             <a:r>
               <a:rPr lang="en-US" altLang="zh-CN" dirty="0" smtClean="0"/>
-              <a:t>“</a:t>
-            </a:r>
-            <a:r>
-              <a:rPr lang="en-US" altLang="zh-CN" smtClean="0"/>
-              <a:t>inconclusive” (3.3%)</a:t>
+              <a:t>“inconclusive” (3.3%)</a:t>
             </a:r>
             <a:endParaRPr lang="en-US" dirty="0"/>
           </a:p>
